--- a/EXTRAS/DEMO.pptx
+++ b/EXTRAS/DEMO.pptx
@@ -6,10 +6,12 @@
   </p:sldMasterIdLst>
   <p:sldIdLst>
     <p:sldId id="256" r:id="rId2"/>
-    <p:sldId id="257" r:id="rId3"/>
-    <p:sldId id="258" r:id="rId4"/>
-    <p:sldId id="259" r:id="rId5"/>
-    <p:sldId id="260" r:id="rId6"/>
+    <p:sldId id="262" r:id="rId3"/>
+    <p:sldId id="257" r:id="rId4"/>
+    <p:sldId id="258" r:id="rId5"/>
+    <p:sldId id="259" r:id="rId6"/>
+    <p:sldId id="261" r:id="rId7"/>
+    <p:sldId id="260" r:id="rId8"/>
   </p:sldIdLst>
   <p:sldSz cx="12192000" cy="6858000"/>
   <p:notesSz cx="6858000" cy="9144000"/>
@@ -108,6 +110,11 @@
       </a:defRPr>
     </a:lvl9pPr>
   </p:defaultTextStyle>
+  <p:extLst>
+    <p:ext uri="{EFAFB233-063F-42B5-8137-9DF3F51BA10A}">
+      <p15:sldGuideLst xmlns:p15="http://schemas.microsoft.com/office/powerpoint/2012/main"/>
+    </p:ext>
+  </p:extLst>
 </p:presentation>
 </file>
 
@@ -302,7 +309,7 @@
           <a:p>
             <a:fld id="{E336C91D-1999-421F-AFA1-A20202843259}" type="datetimeFigureOut">
               <a:rPr lang="en-IE" smtClean="0"/>
-              <a:t>10/04/2019</a:t>
+              <a:t>11/04/2019</a:t>
             </a:fld>
             <a:endParaRPr lang="en-IE"/>
           </a:p>
@@ -738,7 +745,7 @@
           <a:p>
             <a:fld id="{E336C91D-1999-421F-AFA1-A20202843259}" type="datetimeFigureOut">
               <a:rPr lang="en-IE" smtClean="0"/>
-              <a:t>10/04/2019</a:t>
+              <a:t>11/04/2019</a:t>
             </a:fld>
             <a:endParaRPr lang="en-IE"/>
           </a:p>
@@ -988,7 +995,7 @@
           <a:p>
             <a:fld id="{E336C91D-1999-421F-AFA1-A20202843259}" type="datetimeFigureOut">
               <a:rPr lang="en-IE" smtClean="0"/>
-              <a:t>10/04/2019</a:t>
+              <a:t>11/04/2019</a:t>
             </a:fld>
             <a:endParaRPr lang="en-IE"/>
           </a:p>
@@ -1296,7 +1303,7 @@
           <a:p>
             <a:fld id="{E336C91D-1999-421F-AFA1-A20202843259}" type="datetimeFigureOut">
               <a:rPr lang="en-IE" smtClean="0"/>
-              <a:t>10/04/2019</a:t>
+              <a:t>11/04/2019</a:t>
             </a:fld>
             <a:endParaRPr lang="en-IE"/>
           </a:p>
@@ -1614,7 +1621,7 @@
           <a:p>
             <a:fld id="{E336C91D-1999-421F-AFA1-A20202843259}" type="datetimeFigureOut">
               <a:rPr lang="en-IE" smtClean="0"/>
-              <a:t>10/04/2019</a:t>
+              <a:t>11/04/2019</a:t>
             </a:fld>
             <a:endParaRPr lang="en-IE"/>
           </a:p>
@@ -1916,7 +1923,7 @@
           <a:p>
             <a:fld id="{E336C91D-1999-421F-AFA1-A20202843259}" type="datetimeFigureOut">
               <a:rPr lang="en-IE" smtClean="0"/>
-              <a:t>10/04/2019</a:t>
+              <a:t>11/04/2019</a:t>
             </a:fld>
             <a:endParaRPr lang="en-IE"/>
           </a:p>
@@ -2283,7 +2290,7 @@
           <a:p>
             <a:fld id="{E336C91D-1999-421F-AFA1-A20202843259}" type="datetimeFigureOut">
               <a:rPr lang="en-IE" smtClean="0"/>
-              <a:t>10/04/2019</a:t>
+              <a:t>11/04/2019</a:t>
             </a:fld>
             <a:endParaRPr lang="en-IE"/>
           </a:p>
@@ -2457,7 +2464,7 @@
           <a:p>
             <a:fld id="{E336C91D-1999-421F-AFA1-A20202843259}" type="datetimeFigureOut">
               <a:rPr lang="en-IE" smtClean="0"/>
-              <a:t>10/04/2019</a:t>
+              <a:t>11/04/2019</a:t>
             </a:fld>
             <a:endParaRPr lang="en-IE"/>
           </a:p>
@@ -2637,7 +2644,7 @@
           <a:p>
             <a:fld id="{E336C91D-1999-421F-AFA1-A20202843259}" type="datetimeFigureOut">
               <a:rPr lang="en-IE" smtClean="0"/>
-              <a:t>10/04/2019</a:t>
+              <a:t>11/04/2019</a:t>
             </a:fld>
             <a:endParaRPr lang="en-IE"/>
           </a:p>
@@ -2807,7 +2814,7 @@
           <a:p>
             <a:fld id="{E336C91D-1999-421F-AFA1-A20202843259}" type="datetimeFigureOut">
               <a:rPr lang="en-IE" smtClean="0"/>
-              <a:t>10/04/2019</a:t>
+              <a:t>11/04/2019</a:t>
             </a:fld>
             <a:endParaRPr lang="en-IE"/>
           </a:p>
@@ -3057,7 +3064,7 @@
           <a:p>
             <a:fld id="{E336C91D-1999-421F-AFA1-A20202843259}" type="datetimeFigureOut">
               <a:rPr lang="en-IE" smtClean="0"/>
-              <a:t>10/04/2019</a:t>
+              <a:t>11/04/2019</a:t>
             </a:fld>
             <a:endParaRPr lang="en-IE"/>
           </a:p>
@@ -3293,7 +3300,7 @@
           <a:p>
             <a:fld id="{E336C91D-1999-421F-AFA1-A20202843259}" type="datetimeFigureOut">
               <a:rPr lang="en-IE" smtClean="0"/>
-              <a:t>10/04/2019</a:t>
+              <a:t>11/04/2019</a:t>
             </a:fld>
             <a:endParaRPr lang="en-IE"/>
           </a:p>
@@ -3675,7 +3682,7 @@
           <a:p>
             <a:fld id="{E336C91D-1999-421F-AFA1-A20202843259}" type="datetimeFigureOut">
               <a:rPr lang="en-IE" smtClean="0"/>
-              <a:t>10/04/2019</a:t>
+              <a:t>11/04/2019</a:t>
             </a:fld>
             <a:endParaRPr lang="en-IE"/>
           </a:p>
@@ -3793,7 +3800,7 @@
           <a:p>
             <a:fld id="{E336C91D-1999-421F-AFA1-A20202843259}" type="datetimeFigureOut">
               <a:rPr lang="en-IE" smtClean="0"/>
-              <a:t>10/04/2019</a:t>
+              <a:t>11/04/2019</a:t>
             </a:fld>
             <a:endParaRPr lang="en-IE"/>
           </a:p>
@@ -3888,7 +3895,7 @@
           <a:p>
             <a:fld id="{E336C91D-1999-421F-AFA1-A20202843259}" type="datetimeFigureOut">
               <a:rPr lang="en-IE" smtClean="0"/>
-              <a:t>10/04/2019</a:t>
+              <a:t>11/04/2019</a:t>
             </a:fld>
             <a:endParaRPr lang="en-IE"/>
           </a:p>
@@ -4143,7 +4150,7 @@
           <a:p>
             <a:fld id="{E336C91D-1999-421F-AFA1-A20202843259}" type="datetimeFigureOut">
               <a:rPr lang="en-IE" smtClean="0"/>
-              <a:t>10/04/2019</a:t>
+              <a:t>11/04/2019</a:t>
             </a:fld>
             <a:endParaRPr lang="en-IE"/>
           </a:p>
@@ -4426,7 +4433,7 @@
           <a:p>
             <a:fld id="{E336C91D-1999-421F-AFA1-A20202843259}" type="datetimeFigureOut">
               <a:rPr lang="en-IE" smtClean="0"/>
-              <a:t>10/04/2019</a:t>
+              <a:t>11/04/2019</a:t>
             </a:fld>
             <a:endParaRPr lang="en-IE"/>
           </a:p>
@@ -4853,7 +4860,7 @@
           <a:p>
             <a:fld id="{E336C91D-1999-421F-AFA1-A20202843259}" type="datetimeFigureOut">
               <a:rPr lang="en-IE" smtClean="0"/>
-              <a:t>10/04/2019</a:t>
+              <a:t>11/04/2019</a:t>
             </a:fld>
             <a:endParaRPr lang="en-IE"/>
           </a:p>
@@ -5778,6 +5785,422 @@
 </file>
 
 <file path=ppt/slides/slide2.xml><?xml version="1.0" encoding="utf-8"?>
+<p:sld xmlns:a="http://schemas.openxmlformats.org/drawingml/2006/main" xmlns:r="http://schemas.openxmlformats.org/officeDocument/2006/relationships" xmlns:p="http://schemas.openxmlformats.org/presentationml/2006/main">
+  <p:cSld>
+    <p:spTree>
+      <p:nvGrpSpPr>
+        <p:cNvPr id="1" name=""/>
+        <p:cNvGrpSpPr/>
+        <p:nvPr/>
+      </p:nvGrpSpPr>
+      <p:grpSpPr>
+        <a:xfrm>
+          <a:off x="0" y="0"/>
+          <a:ext cx="0" cy="0"/>
+          <a:chOff x="0" y="0"/>
+          <a:chExt cx="0" cy="0"/>
+        </a:xfrm>
+      </p:grpSpPr>
+      <p:sp>
+        <p:nvSpPr>
+          <p:cNvPr id="4" name="Title 1">
+            <a:extLst>
+              <a:ext uri="{FF2B5EF4-FFF2-40B4-BE49-F238E27FC236}">
+                <a16:creationId xmlns:a16="http://schemas.microsoft.com/office/drawing/2014/main" id="{AF450E9F-E6D9-47AD-9F4D-3283FD401FDF}"/>
+              </a:ext>
+            </a:extLst>
+          </p:cNvPr>
+          <p:cNvSpPr txBox="1">
+            <a:spLocks/>
+          </p:cNvSpPr>
+          <p:nvPr/>
+        </p:nvSpPr>
+        <p:spPr>
+          <a:xfrm>
+            <a:off x="1143001" y="294427"/>
+            <a:ext cx="9905998" cy="1478570"/>
+          </a:xfrm>
+          <a:prstGeom prst="rect">
+            <a:avLst/>
+          </a:prstGeom>
+          <a:effectLst/>
+        </p:spPr>
+        <p:txBody>
+          <a:bodyPr vert="horz" lIns="91440" tIns="45720" rIns="91440" bIns="45720" rtlCol="0" anchor="b">
+            <a:normAutofit/>
+          </a:bodyPr>
+          <a:lstStyle>
+            <a:lvl1pPr algn="l" defTabSz="457200" rtl="0" eaLnBrk="1" latinLnBrk="0" hangingPunct="1">
+              <a:spcBef>
+                <a:spcPct val="0"/>
+              </a:spcBef>
+              <a:buNone/>
+              <a:defRPr sz="4800" kern="1200" cap="all">
+                <a:ln w="3175" cmpd="sng">
+                  <a:noFill/>
+                </a:ln>
+                <a:solidFill>
+                  <a:schemeClr val="tx1"/>
+                </a:solidFill>
+                <a:effectLst/>
+                <a:latin typeface="+mj-lt"/>
+                <a:ea typeface="+mj-ea"/>
+                <a:cs typeface="+mj-cs"/>
+              </a:defRPr>
+            </a:lvl1pPr>
+            <a:lvl2pPr eaLnBrk="1" hangingPunct="1">
+              <a:defRPr>
+                <a:solidFill>
+                  <a:schemeClr val="tx2"/>
+                </a:solidFill>
+              </a:defRPr>
+            </a:lvl2pPr>
+            <a:lvl3pPr eaLnBrk="1" hangingPunct="1">
+              <a:defRPr>
+                <a:solidFill>
+                  <a:schemeClr val="tx2"/>
+                </a:solidFill>
+              </a:defRPr>
+            </a:lvl3pPr>
+            <a:lvl4pPr eaLnBrk="1" hangingPunct="1">
+              <a:defRPr>
+                <a:solidFill>
+                  <a:schemeClr val="tx2"/>
+                </a:solidFill>
+              </a:defRPr>
+            </a:lvl4pPr>
+            <a:lvl5pPr eaLnBrk="1" hangingPunct="1">
+              <a:defRPr>
+                <a:solidFill>
+                  <a:schemeClr val="tx2"/>
+                </a:solidFill>
+              </a:defRPr>
+            </a:lvl5pPr>
+            <a:lvl6pPr eaLnBrk="1" hangingPunct="1">
+              <a:defRPr>
+                <a:solidFill>
+                  <a:schemeClr val="tx2"/>
+                </a:solidFill>
+              </a:defRPr>
+            </a:lvl6pPr>
+            <a:lvl7pPr eaLnBrk="1" hangingPunct="1">
+              <a:defRPr>
+                <a:solidFill>
+                  <a:schemeClr val="tx2"/>
+                </a:solidFill>
+              </a:defRPr>
+            </a:lvl7pPr>
+            <a:lvl8pPr eaLnBrk="1" hangingPunct="1">
+              <a:defRPr>
+                <a:solidFill>
+                  <a:schemeClr val="tx2"/>
+                </a:solidFill>
+              </a:defRPr>
+            </a:lvl8pPr>
+            <a:lvl9pPr eaLnBrk="1" hangingPunct="1">
+              <a:defRPr>
+                <a:solidFill>
+                  <a:schemeClr val="tx2"/>
+                </a:solidFill>
+              </a:defRPr>
+            </a:lvl9pPr>
+          </a:lstStyle>
+          <a:p>
+            <a:r>
+              <a:rPr lang="pl-PL" dirty="0"/>
+              <a:t>Intro</a:t>
+            </a:r>
+            <a:endParaRPr lang="en-IE" dirty="0"/>
+          </a:p>
+        </p:txBody>
+      </p:sp>
+      <p:sp>
+        <p:nvSpPr>
+          <p:cNvPr id="5" name="Content Placeholder 2">
+            <a:extLst>
+              <a:ext uri="{FF2B5EF4-FFF2-40B4-BE49-F238E27FC236}">
+                <a16:creationId xmlns:a16="http://schemas.microsoft.com/office/drawing/2014/main" id="{7FDD5A0F-4440-4FEA-BBF4-9E1C36B896CA}"/>
+              </a:ext>
+            </a:extLst>
+          </p:cNvPr>
+          <p:cNvSpPr txBox="1">
+            <a:spLocks/>
+          </p:cNvSpPr>
+          <p:nvPr/>
+        </p:nvSpPr>
+        <p:spPr>
+          <a:xfrm>
+            <a:off x="841093" y="2085514"/>
+            <a:ext cx="10509813" cy="4569929"/>
+          </a:xfrm>
+          <a:prstGeom prst="rect">
+            <a:avLst/>
+          </a:prstGeom>
+        </p:spPr>
+        <p:txBody>
+          <a:bodyPr vert="horz" lIns="91440" tIns="45720" rIns="91440" bIns="45720" rtlCol="0" anchor="t">
+            <a:normAutofit/>
+          </a:bodyPr>
+          <a:lstStyle>
+            <a:lvl1pPr marL="0" indent="0" algn="l" defTabSz="457200" rtl="0" eaLnBrk="1" latinLnBrk="0" hangingPunct="1">
+              <a:spcBef>
+                <a:spcPct val="20000"/>
+              </a:spcBef>
+              <a:spcAft>
+                <a:spcPts val="600"/>
+              </a:spcAft>
+              <a:buClr>
+                <a:schemeClr val="tx1"/>
+              </a:buClr>
+              <a:buSzPct val="80000"/>
+              <a:buFont typeface="Wingdings 3" panose="05040102010807070707" pitchFamily="18" charset="2"/>
+              <a:buNone/>
+              <a:defRPr sz="2100" kern="1200" cap="none">
+                <a:solidFill>
+                  <a:schemeClr val="bg2">
+                    <a:lumMod val="75000"/>
+                  </a:schemeClr>
+                </a:solidFill>
+                <a:effectLst/>
+                <a:latin typeface="+mn-lt"/>
+                <a:ea typeface="+mn-ea"/>
+                <a:cs typeface="+mn-cs"/>
+              </a:defRPr>
+            </a:lvl1pPr>
+            <a:lvl2pPr marL="457200" indent="0" algn="ctr" defTabSz="457200" rtl="0" eaLnBrk="1" latinLnBrk="0" hangingPunct="1">
+              <a:spcBef>
+                <a:spcPct val="20000"/>
+              </a:spcBef>
+              <a:spcAft>
+                <a:spcPts val="600"/>
+              </a:spcAft>
+              <a:buClr>
+                <a:schemeClr val="tx1"/>
+              </a:buClr>
+              <a:buSzPct val="80000"/>
+              <a:buFont typeface="Wingdings 3" panose="05040102010807070707" pitchFamily="18" charset="2"/>
+              <a:buNone/>
+              <a:defRPr sz="1800" kern="1200" cap="none">
+                <a:solidFill>
+                  <a:schemeClr val="tx1">
+                    <a:tint val="75000"/>
+                  </a:schemeClr>
+                </a:solidFill>
+                <a:effectLst/>
+                <a:latin typeface="+mn-lt"/>
+                <a:ea typeface="+mn-ea"/>
+                <a:cs typeface="+mn-cs"/>
+              </a:defRPr>
+            </a:lvl2pPr>
+            <a:lvl3pPr marL="914400" indent="0" algn="ctr" defTabSz="457200" rtl="0" eaLnBrk="1" latinLnBrk="0" hangingPunct="1">
+              <a:spcBef>
+                <a:spcPct val="20000"/>
+              </a:spcBef>
+              <a:spcAft>
+                <a:spcPts val="600"/>
+              </a:spcAft>
+              <a:buClr>
+                <a:schemeClr val="tx1"/>
+              </a:buClr>
+              <a:buSzPct val="80000"/>
+              <a:buFont typeface="Wingdings 3" panose="05040102010807070707" pitchFamily="18" charset="2"/>
+              <a:buNone/>
+              <a:defRPr sz="1600" kern="1200" cap="none">
+                <a:solidFill>
+                  <a:schemeClr val="tx1">
+                    <a:tint val="75000"/>
+                  </a:schemeClr>
+                </a:solidFill>
+                <a:effectLst/>
+                <a:latin typeface="+mn-lt"/>
+                <a:ea typeface="+mn-ea"/>
+                <a:cs typeface="+mn-cs"/>
+              </a:defRPr>
+            </a:lvl3pPr>
+            <a:lvl4pPr marL="1371600" indent="0" algn="ctr" defTabSz="457200" rtl="0" eaLnBrk="1" latinLnBrk="0" hangingPunct="1">
+              <a:spcBef>
+                <a:spcPct val="20000"/>
+              </a:spcBef>
+              <a:spcAft>
+                <a:spcPts val="600"/>
+              </a:spcAft>
+              <a:buClr>
+                <a:schemeClr val="tx1"/>
+              </a:buClr>
+              <a:buSzPct val="80000"/>
+              <a:buFont typeface="Wingdings 3" panose="05040102010807070707" pitchFamily="18" charset="2"/>
+              <a:buNone/>
+              <a:defRPr sz="1400" kern="1200" cap="none">
+                <a:solidFill>
+                  <a:schemeClr val="tx1">
+                    <a:tint val="75000"/>
+                  </a:schemeClr>
+                </a:solidFill>
+                <a:effectLst/>
+                <a:latin typeface="+mn-lt"/>
+                <a:ea typeface="+mn-ea"/>
+                <a:cs typeface="+mn-cs"/>
+              </a:defRPr>
+            </a:lvl4pPr>
+            <a:lvl5pPr marL="1828800" indent="0" algn="ctr" defTabSz="457200" rtl="0" eaLnBrk="1" latinLnBrk="0" hangingPunct="1">
+              <a:spcBef>
+                <a:spcPct val="20000"/>
+              </a:spcBef>
+              <a:spcAft>
+                <a:spcPts val="600"/>
+              </a:spcAft>
+              <a:buClr>
+                <a:schemeClr val="tx1"/>
+              </a:buClr>
+              <a:buSzPct val="80000"/>
+              <a:buFont typeface="Wingdings 3" panose="05040102010807070707" pitchFamily="18" charset="2"/>
+              <a:buNone/>
+              <a:defRPr sz="1400" kern="1200" cap="none">
+                <a:solidFill>
+                  <a:schemeClr val="tx1">
+                    <a:tint val="75000"/>
+                  </a:schemeClr>
+                </a:solidFill>
+                <a:effectLst/>
+                <a:latin typeface="+mn-lt"/>
+                <a:ea typeface="+mn-ea"/>
+                <a:cs typeface="+mn-cs"/>
+              </a:defRPr>
+            </a:lvl5pPr>
+            <a:lvl6pPr marL="2286000" indent="0" algn="ctr" defTabSz="457200" rtl="0" eaLnBrk="1" latinLnBrk="0" hangingPunct="1">
+              <a:spcBef>
+                <a:spcPct val="20000"/>
+              </a:spcBef>
+              <a:spcAft>
+                <a:spcPts val="600"/>
+              </a:spcAft>
+              <a:buClr>
+                <a:schemeClr val="tx1"/>
+              </a:buClr>
+              <a:buSzPct val="80000"/>
+              <a:buFont typeface="Wingdings 3" panose="05040102010807070707" pitchFamily="18" charset="2"/>
+              <a:buNone/>
+              <a:defRPr sz="1400" kern="1200" cap="none">
+                <a:solidFill>
+                  <a:schemeClr val="tx1">
+                    <a:tint val="75000"/>
+                  </a:schemeClr>
+                </a:solidFill>
+                <a:effectLst/>
+                <a:latin typeface="+mn-lt"/>
+                <a:ea typeface="+mn-ea"/>
+                <a:cs typeface="+mn-cs"/>
+              </a:defRPr>
+            </a:lvl6pPr>
+            <a:lvl7pPr marL="2743200" indent="0" algn="ctr" defTabSz="457200" rtl="0" eaLnBrk="1" latinLnBrk="0" hangingPunct="1">
+              <a:spcBef>
+                <a:spcPct val="20000"/>
+              </a:spcBef>
+              <a:spcAft>
+                <a:spcPts val="600"/>
+              </a:spcAft>
+              <a:buClr>
+                <a:schemeClr val="tx1"/>
+              </a:buClr>
+              <a:buSzPct val="80000"/>
+              <a:buFont typeface="Wingdings 3" panose="05040102010807070707" pitchFamily="18" charset="2"/>
+              <a:buNone/>
+              <a:defRPr sz="1400" kern="1200" cap="none">
+                <a:solidFill>
+                  <a:schemeClr val="tx1">
+                    <a:tint val="75000"/>
+                  </a:schemeClr>
+                </a:solidFill>
+                <a:effectLst/>
+                <a:latin typeface="+mn-lt"/>
+                <a:ea typeface="+mn-ea"/>
+                <a:cs typeface="+mn-cs"/>
+              </a:defRPr>
+            </a:lvl7pPr>
+            <a:lvl8pPr marL="3200400" indent="0" algn="ctr" defTabSz="457200" rtl="0" eaLnBrk="1" latinLnBrk="0" hangingPunct="1">
+              <a:spcBef>
+                <a:spcPct val="20000"/>
+              </a:spcBef>
+              <a:spcAft>
+                <a:spcPts val="600"/>
+              </a:spcAft>
+              <a:buClr>
+                <a:schemeClr val="tx1"/>
+              </a:buClr>
+              <a:buSzPct val="80000"/>
+              <a:buFont typeface="Wingdings 3" panose="05040102010807070707" pitchFamily="18" charset="2"/>
+              <a:buNone/>
+              <a:defRPr sz="1400" kern="1200" cap="none">
+                <a:solidFill>
+                  <a:schemeClr val="tx1">
+                    <a:tint val="75000"/>
+                  </a:schemeClr>
+                </a:solidFill>
+                <a:effectLst/>
+                <a:latin typeface="+mn-lt"/>
+                <a:ea typeface="+mn-ea"/>
+                <a:cs typeface="+mn-cs"/>
+              </a:defRPr>
+            </a:lvl8pPr>
+            <a:lvl9pPr marL="3657600" indent="0" algn="ctr" defTabSz="457200" rtl="0" eaLnBrk="1" latinLnBrk="0" hangingPunct="1">
+              <a:spcBef>
+                <a:spcPct val="20000"/>
+              </a:spcBef>
+              <a:spcAft>
+                <a:spcPts val="600"/>
+              </a:spcAft>
+              <a:buClr>
+                <a:schemeClr val="tx1"/>
+              </a:buClr>
+              <a:buSzPct val="80000"/>
+              <a:buFont typeface="Wingdings 3" panose="05040102010807070707" pitchFamily="18" charset="2"/>
+              <a:buNone/>
+              <a:defRPr sz="1400" kern="1200" cap="none">
+                <a:solidFill>
+                  <a:schemeClr val="tx1">
+                    <a:tint val="75000"/>
+                  </a:schemeClr>
+                </a:solidFill>
+                <a:effectLst/>
+                <a:latin typeface="+mn-lt"/>
+                <a:ea typeface="+mn-ea"/>
+                <a:cs typeface="+mn-cs"/>
+              </a:defRPr>
+            </a:lvl9pPr>
+          </a:lstStyle>
+          <a:p>
+            <a:pPr marL="342900" indent="-342900">
+              <a:buBlip>
+                <a:blip r:embed="rId2">
+                  <a:extLst>
+                    <a:ext uri="{96DAC541-7B7A-43D3-8B79-37D633B846F1}">
+                      <asvg:svgBlip xmlns:asvg="http://schemas.microsoft.com/office/drawing/2016/SVG/main" r:embed="rId3"/>
+                    </a:ext>
+                  </a:extLst>
+                </a:blip>
+              </a:buBlip>
+            </a:pPr>
+            <a:r>
+              <a:rPr lang="pl-PL" dirty="0"/>
+              <a:t>..</a:t>
+            </a:r>
+          </a:p>
+        </p:txBody>
+      </p:sp>
+    </p:spTree>
+    <p:extLst>
+      <p:ext uri="{BB962C8B-B14F-4D97-AF65-F5344CB8AC3E}">
+        <p14:creationId xmlns:p14="http://schemas.microsoft.com/office/powerpoint/2010/main" val="2899190717"/>
+      </p:ext>
+    </p:extLst>
+  </p:cSld>
+  <p:clrMapOvr>
+    <a:masterClrMapping/>
+  </p:clrMapOvr>
+</p:sld>
+</file>
+
+<file path=ppt/slides/slide3.xml><?xml version="1.0" encoding="utf-8"?>
 <p:sld xmlns:a="http://schemas.openxmlformats.org/drawingml/2006/main" xmlns:r="http://schemas.openxmlformats.org/officeDocument/2006/relationships" xmlns:p="http://schemas.openxmlformats.org/presentationml/2006/main" showMasterSp="0">
   <p:cSld>
     <p:spTree>
@@ -6175,8 +6598,30 @@
             </a:pPr>
             <a:r>
               <a:rPr lang="pl-PL" dirty="0"/>
-              <a:t>I use Dijkstra’s algorithm to find the closest escape route.</a:t>
-            </a:r>
+              <a:t>Dijkstra’s algorithm</a:t>
+            </a:r>
+          </a:p>
+          <a:p>
+            <a:pPr marL="800100" lvl="1" indent="-342900">
+              <a:buBlip>
+                <a:blip r:embed="rId2">
+                  <a:extLst>
+                    <a:ext uri="{96DAC541-7B7A-43D3-8B79-37D633B846F1}">
+                      <asvg:svgBlip xmlns:asvg="http://schemas.microsoft.com/office/drawing/2016/SVG/main" r:embed="rId3"/>
+                    </a:ext>
+                  </a:extLst>
+                </a:blip>
+              </a:buBlip>
+            </a:pPr>
+            <a:r>
+              <a:rPr lang="pl-PL" dirty="0"/>
+              <a:t>This algorithm </a:t>
+            </a:r>
+            <a:r>
+              <a:rPr lang="en-IE" dirty="0"/>
+              <a:t>begins with a start node and an "open set" of candidate nodes. </a:t>
+            </a:r>
+            <a:endParaRPr lang="pl-PL" dirty="0"/>
           </a:p>
           <a:p>
             <a:pPr marL="342900" indent="-342900">
@@ -6191,12 +6636,8 @@
               </a:buBlip>
             </a:pPr>
             <a:r>
-              <a:rPr lang="pl-PL" dirty="0"/>
-              <a:t>This algorithm </a:t>
-            </a:r>
-            <a:r>
               <a:rPr lang="en-IE" dirty="0"/>
-              <a:t>begins with a start node and an "open set" of candidate nodes. </a:t>
+              <a:t>At each step, the node in the open set with the lowest distance from the start is examined.</a:t>
             </a:r>
             <a:endParaRPr lang="pl-PL" dirty="0"/>
           </a:p>
@@ -6214,24 +6655,6 @@
             </a:pPr>
             <a:r>
               <a:rPr lang="en-IE" dirty="0"/>
-              <a:t>At each step, the node in the open set with the lowest distance from the start is examined.</a:t>
-            </a:r>
-            <a:endParaRPr lang="pl-PL" dirty="0"/>
-          </a:p>
-          <a:p>
-            <a:pPr marL="342900" indent="-342900">
-              <a:buBlip>
-                <a:blip r:embed="rId2">
-                  <a:extLst>
-                    <a:ext uri="{96DAC541-7B7A-43D3-8B79-37D633B846F1}">
-                      <asvg:svgBlip xmlns:asvg="http://schemas.microsoft.com/office/drawing/2016/SVG/main" r:embed="rId3"/>
-                    </a:ext>
-                  </a:extLst>
-                </a:blip>
-              </a:buBlip>
-            </a:pPr>
-            <a:r>
-              <a:rPr lang="en-IE" dirty="0"/>
               <a:t> The node is marked "closed", and all nodes adjacent to it are added to the open set if they have not already been examined.</a:t>
             </a:r>
             <a:endParaRPr lang="pl-PL" dirty="0"/>
@@ -6242,548 +6665,6 @@
     <p:extLst>
       <p:ext uri="{BB962C8B-B14F-4D97-AF65-F5344CB8AC3E}">
         <p14:creationId xmlns:p14="http://schemas.microsoft.com/office/powerpoint/2010/main" val="2592770513"/>
-      </p:ext>
-    </p:extLst>
-  </p:cSld>
-  <p:clrMapOvr>
-    <a:masterClrMapping/>
-  </p:clrMapOvr>
-</p:sld>
-</file>
-
-<file path=ppt/slides/slide3.xml><?xml version="1.0" encoding="utf-8"?>
-<p:sld xmlns:a="http://schemas.openxmlformats.org/drawingml/2006/main" xmlns:r="http://schemas.openxmlformats.org/officeDocument/2006/relationships" xmlns:p="http://schemas.openxmlformats.org/presentationml/2006/main">
-  <p:cSld>
-    <p:spTree>
-      <p:nvGrpSpPr>
-        <p:cNvPr id="1" name=""/>
-        <p:cNvGrpSpPr/>
-        <p:nvPr/>
-      </p:nvGrpSpPr>
-      <p:grpSpPr>
-        <a:xfrm>
-          <a:off x="0" y="0"/>
-          <a:ext cx="0" cy="0"/>
-          <a:chOff x="0" y="0"/>
-          <a:chExt cx="0" cy="0"/>
-        </a:xfrm>
-      </p:grpSpPr>
-      <p:sp>
-        <p:nvSpPr>
-          <p:cNvPr id="4" name="Title 1">
-            <a:extLst>
-              <a:ext uri="{FF2B5EF4-FFF2-40B4-BE49-F238E27FC236}">
-                <a16:creationId xmlns:a16="http://schemas.microsoft.com/office/drawing/2014/main" id="{B6F3F2AE-F84D-49D5-AFD9-216CE4FD8845}"/>
-              </a:ext>
-            </a:extLst>
-          </p:cNvPr>
-          <p:cNvSpPr txBox="1">
-            <a:spLocks/>
-          </p:cNvSpPr>
-          <p:nvPr/>
-        </p:nvSpPr>
-        <p:spPr>
-          <a:xfrm>
-            <a:off x="1141413" y="618518"/>
-            <a:ext cx="9905998" cy="1478570"/>
-          </a:xfrm>
-          <a:prstGeom prst="rect">
-            <a:avLst/>
-          </a:prstGeom>
-          <a:effectLst/>
-        </p:spPr>
-        <p:txBody>
-          <a:bodyPr vert="horz" lIns="91440" tIns="45720" rIns="91440" bIns="45720" rtlCol="0" anchor="ctr">
-            <a:normAutofit/>
-          </a:bodyPr>
-          <a:lstStyle>
-            <a:lvl1pPr algn="l" defTabSz="457200" rtl="0" eaLnBrk="1" latinLnBrk="0" hangingPunct="1">
-              <a:spcBef>
-                <a:spcPct val="0"/>
-              </a:spcBef>
-              <a:buNone/>
-              <a:defRPr sz="3600" kern="1200" cap="all">
-                <a:ln w="3175" cmpd="sng">
-                  <a:noFill/>
-                </a:ln>
-                <a:solidFill>
-                  <a:schemeClr val="tx1"/>
-                </a:solidFill>
-                <a:effectLst/>
-                <a:latin typeface="+mj-lt"/>
-                <a:ea typeface="+mj-ea"/>
-                <a:cs typeface="+mj-cs"/>
-              </a:defRPr>
-            </a:lvl1pPr>
-            <a:lvl2pPr eaLnBrk="1" hangingPunct="1">
-              <a:defRPr>
-                <a:solidFill>
-                  <a:schemeClr val="tx2"/>
-                </a:solidFill>
-              </a:defRPr>
-            </a:lvl2pPr>
-            <a:lvl3pPr eaLnBrk="1" hangingPunct="1">
-              <a:defRPr>
-                <a:solidFill>
-                  <a:schemeClr val="tx2"/>
-                </a:solidFill>
-              </a:defRPr>
-            </a:lvl3pPr>
-            <a:lvl4pPr eaLnBrk="1" hangingPunct="1">
-              <a:defRPr>
-                <a:solidFill>
-                  <a:schemeClr val="tx2"/>
-                </a:solidFill>
-              </a:defRPr>
-            </a:lvl4pPr>
-            <a:lvl5pPr eaLnBrk="1" hangingPunct="1">
-              <a:defRPr>
-                <a:solidFill>
-                  <a:schemeClr val="tx2"/>
-                </a:solidFill>
-              </a:defRPr>
-            </a:lvl5pPr>
-            <a:lvl6pPr eaLnBrk="1" hangingPunct="1">
-              <a:defRPr>
-                <a:solidFill>
-                  <a:schemeClr val="tx2"/>
-                </a:solidFill>
-              </a:defRPr>
-            </a:lvl6pPr>
-            <a:lvl7pPr eaLnBrk="1" hangingPunct="1">
-              <a:defRPr>
-                <a:solidFill>
-                  <a:schemeClr val="tx2"/>
-                </a:solidFill>
-              </a:defRPr>
-            </a:lvl7pPr>
-            <a:lvl8pPr eaLnBrk="1" hangingPunct="1">
-              <a:defRPr>
-                <a:solidFill>
-                  <a:schemeClr val="tx2"/>
-                </a:solidFill>
-              </a:defRPr>
-            </a:lvl8pPr>
-            <a:lvl9pPr eaLnBrk="1" hangingPunct="1">
-              <a:defRPr>
-                <a:solidFill>
-                  <a:schemeClr val="tx2"/>
-                </a:solidFill>
-              </a:defRPr>
-            </a:lvl9pPr>
-          </a:lstStyle>
-          <a:p>
-            <a:r>
-              <a:rPr lang="pl-PL" dirty="0"/>
-              <a:t>Technology That I Have used</a:t>
-            </a:r>
-            <a:endParaRPr lang="en-IE" dirty="0"/>
-          </a:p>
-        </p:txBody>
-      </p:sp>
-      <p:sp>
-        <p:nvSpPr>
-          <p:cNvPr id="5" name="Content Placeholder 2">
-            <a:extLst>
-              <a:ext uri="{FF2B5EF4-FFF2-40B4-BE49-F238E27FC236}">
-                <a16:creationId xmlns:a16="http://schemas.microsoft.com/office/drawing/2014/main" id="{C8E7804D-BCE4-47DF-B7A1-6D25FDA6BFCD}"/>
-              </a:ext>
-            </a:extLst>
-          </p:cNvPr>
-          <p:cNvSpPr txBox="1">
-            <a:spLocks/>
-          </p:cNvSpPr>
-          <p:nvPr/>
-        </p:nvSpPr>
-        <p:spPr>
-          <a:xfrm>
-            <a:off x="1141413" y="1983332"/>
-            <a:ext cx="9905998" cy="4363454"/>
-          </a:xfrm>
-          <a:prstGeom prst="rect">
-            <a:avLst/>
-          </a:prstGeom>
-        </p:spPr>
-        <p:txBody>
-          <a:bodyPr vert="horz" lIns="91440" tIns="45720" rIns="91440" bIns="45720" rtlCol="0" anchor="ctr">
-            <a:normAutofit/>
-          </a:bodyPr>
-          <a:lstStyle>
-            <a:lvl1pPr marL="285750" indent="-285750" algn="l" defTabSz="457200" rtl="0" eaLnBrk="1" latinLnBrk="0" hangingPunct="1">
-              <a:spcBef>
-                <a:spcPct val="20000"/>
-              </a:spcBef>
-              <a:spcAft>
-                <a:spcPts val="600"/>
-              </a:spcAft>
-              <a:buClr>
-                <a:schemeClr val="tx1"/>
-              </a:buClr>
-              <a:buSzPct val="80000"/>
-              <a:buFont typeface="Wingdings 3" panose="05040102010807070707" pitchFamily="18" charset="2"/>
-              <a:buChar char=""/>
-              <a:defRPr sz="2000" kern="1200" cap="none">
-                <a:solidFill>
-                  <a:schemeClr val="bg2">
-                    <a:lumMod val="75000"/>
-                  </a:schemeClr>
-                </a:solidFill>
-                <a:effectLst/>
-                <a:latin typeface="+mn-lt"/>
-                <a:ea typeface="+mn-ea"/>
-                <a:cs typeface="+mn-cs"/>
-              </a:defRPr>
-            </a:lvl1pPr>
-            <a:lvl2pPr marL="742950" indent="-285750" algn="l" defTabSz="457200" rtl="0" eaLnBrk="1" latinLnBrk="0" hangingPunct="1">
-              <a:spcBef>
-                <a:spcPct val="20000"/>
-              </a:spcBef>
-              <a:spcAft>
-                <a:spcPts val="600"/>
-              </a:spcAft>
-              <a:buClr>
-                <a:schemeClr val="tx1"/>
-              </a:buClr>
-              <a:buSzPct val="80000"/>
-              <a:buFont typeface="Wingdings 3" panose="05040102010807070707" pitchFamily="18" charset="2"/>
-              <a:buChar char=""/>
-              <a:defRPr sz="1800" kern="1200" cap="none">
-                <a:solidFill>
-                  <a:schemeClr val="bg2">
-                    <a:lumMod val="75000"/>
-                  </a:schemeClr>
-                </a:solidFill>
-                <a:effectLst/>
-                <a:latin typeface="+mn-lt"/>
-                <a:ea typeface="+mn-ea"/>
-                <a:cs typeface="+mn-cs"/>
-              </a:defRPr>
-            </a:lvl2pPr>
-            <a:lvl3pPr marL="1200150" indent="-285750" algn="l" defTabSz="457200" rtl="0" eaLnBrk="1" latinLnBrk="0" hangingPunct="1">
-              <a:spcBef>
-                <a:spcPct val="20000"/>
-              </a:spcBef>
-              <a:spcAft>
-                <a:spcPts val="600"/>
-              </a:spcAft>
-              <a:buClr>
-                <a:schemeClr val="tx1"/>
-              </a:buClr>
-              <a:buSzPct val="80000"/>
-              <a:buFont typeface="Wingdings 3" panose="05040102010807070707" pitchFamily="18" charset="2"/>
-              <a:buChar char=""/>
-              <a:defRPr sz="1600" kern="1200" cap="none">
-                <a:solidFill>
-                  <a:schemeClr val="bg2">
-                    <a:lumMod val="75000"/>
-                  </a:schemeClr>
-                </a:solidFill>
-                <a:effectLst/>
-                <a:latin typeface="+mn-lt"/>
-                <a:ea typeface="+mn-ea"/>
-                <a:cs typeface="+mn-cs"/>
-              </a:defRPr>
-            </a:lvl3pPr>
-            <a:lvl4pPr marL="1543050" indent="-171450" algn="l" defTabSz="457200" rtl="0" eaLnBrk="1" latinLnBrk="0" hangingPunct="1">
-              <a:spcBef>
-                <a:spcPct val="20000"/>
-              </a:spcBef>
-              <a:spcAft>
-                <a:spcPts val="600"/>
-              </a:spcAft>
-              <a:buClr>
-                <a:schemeClr val="tx1"/>
-              </a:buClr>
-              <a:buSzPct val="80000"/>
-              <a:buFont typeface="Wingdings 3" panose="05040102010807070707" pitchFamily="18" charset="2"/>
-              <a:buChar char=""/>
-              <a:defRPr sz="1400" kern="1200" cap="none">
-                <a:solidFill>
-                  <a:schemeClr val="bg2">
-                    <a:lumMod val="75000"/>
-                  </a:schemeClr>
-                </a:solidFill>
-                <a:effectLst/>
-                <a:latin typeface="+mn-lt"/>
-                <a:ea typeface="+mn-ea"/>
-                <a:cs typeface="+mn-cs"/>
-              </a:defRPr>
-            </a:lvl4pPr>
-            <a:lvl5pPr marL="2000250" indent="-171450" algn="l" defTabSz="457200" rtl="0" eaLnBrk="1" latinLnBrk="0" hangingPunct="1">
-              <a:spcBef>
-                <a:spcPct val="20000"/>
-              </a:spcBef>
-              <a:spcAft>
-                <a:spcPts val="600"/>
-              </a:spcAft>
-              <a:buClr>
-                <a:schemeClr val="tx1"/>
-              </a:buClr>
-              <a:buSzPct val="80000"/>
-              <a:buFont typeface="Wingdings 3" panose="05040102010807070707" pitchFamily="18" charset="2"/>
-              <a:buChar char=""/>
-              <a:defRPr sz="1400" kern="1200" cap="none">
-                <a:solidFill>
-                  <a:schemeClr val="bg2">
-                    <a:lumMod val="75000"/>
-                  </a:schemeClr>
-                </a:solidFill>
-                <a:effectLst/>
-                <a:latin typeface="+mn-lt"/>
-                <a:ea typeface="+mn-ea"/>
-                <a:cs typeface="+mn-cs"/>
-              </a:defRPr>
-            </a:lvl5pPr>
-            <a:lvl6pPr marL="2514600" indent="-228600" algn="l" defTabSz="457200" rtl="0" eaLnBrk="1" latinLnBrk="0" hangingPunct="1">
-              <a:spcBef>
-                <a:spcPct val="20000"/>
-              </a:spcBef>
-              <a:spcAft>
-                <a:spcPts val="600"/>
-              </a:spcAft>
-              <a:buClr>
-                <a:schemeClr val="tx1"/>
-              </a:buClr>
-              <a:buSzPct val="80000"/>
-              <a:buFont typeface="Wingdings 3" panose="05040102010807070707" pitchFamily="18" charset="2"/>
-              <a:buChar char=""/>
-              <a:defRPr sz="1400" kern="1200" cap="none">
-                <a:solidFill>
-                  <a:schemeClr val="bg2">
-                    <a:lumMod val="75000"/>
-                  </a:schemeClr>
-                </a:solidFill>
-                <a:effectLst/>
-                <a:latin typeface="+mn-lt"/>
-                <a:ea typeface="+mn-ea"/>
-                <a:cs typeface="+mn-cs"/>
-              </a:defRPr>
-            </a:lvl6pPr>
-            <a:lvl7pPr marL="2971800" indent="-228600" algn="l" defTabSz="457200" rtl="0" eaLnBrk="1" latinLnBrk="0" hangingPunct="1">
-              <a:spcBef>
-                <a:spcPct val="20000"/>
-              </a:spcBef>
-              <a:spcAft>
-                <a:spcPts val="600"/>
-              </a:spcAft>
-              <a:buClr>
-                <a:schemeClr val="tx1"/>
-              </a:buClr>
-              <a:buSzPct val="80000"/>
-              <a:buFont typeface="Wingdings 3" panose="05040102010807070707" pitchFamily="18" charset="2"/>
-              <a:buChar char=""/>
-              <a:defRPr sz="1400" kern="1200" cap="none">
-                <a:solidFill>
-                  <a:schemeClr val="bg2">
-                    <a:lumMod val="75000"/>
-                  </a:schemeClr>
-                </a:solidFill>
-                <a:effectLst/>
-                <a:latin typeface="+mn-lt"/>
-                <a:ea typeface="+mn-ea"/>
-                <a:cs typeface="+mn-cs"/>
-              </a:defRPr>
-            </a:lvl7pPr>
-            <a:lvl8pPr marL="3429000" indent="-228600" algn="l" defTabSz="457200" rtl="0" eaLnBrk="1" latinLnBrk="0" hangingPunct="1">
-              <a:spcBef>
-                <a:spcPct val="20000"/>
-              </a:spcBef>
-              <a:spcAft>
-                <a:spcPts val="600"/>
-              </a:spcAft>
-              <a:buClr>
-                <a:schemeClr val="tx1"/>
-              </a:buClr>
-              <a:buSzPct val="80000"/>
-              <a:buFont typeface="Wingdings 3" panose="05040102010807070707" pitchFamily="18" charset="2"/>
-              <a:buChar char=""/>
-              <a:defRPr sz="1400" kern="1200" cap="none">
-                <a:solidFill>
-                  <a:schemeClr val="bg2">
-                    <a:lumMod val="75000"/>
-                  </a:schemeClr>
-                </a:solidFill>
-                <a:effectLst/>
-                <a:latin typeface="+mn-lt"/>
-                <a:ea typeface="+mn-ea"/>
-                <a:cs typeface="+mn-cs"/>
-              </a:defRPr>
-            </a:lvl8pPr>
-            <a:lvl9pPr marL="3886200" indent="-228600" algn="l" defTabSz="457200" rtl="0" eaLnBrk="1" latinLnBrk="0" hangingPunct="1">
-              <a:spcBef>
-                <a:spcPct val="20000"/>
-              </a:spcBef>
-              <a:spcAft>
-                <a:spcPts val="600"/>
-              </a:spcAft>
-              <a:buClr>
-                <a:schemeClr val="tx1"/>
-              </a:buClr>
-              <a:buSzPct val="80000"/>
-              <a:buFont typeface="Wingdings 3" panose="05040102010807070707" pitchFamily="18" charset="2"/>
-              <a:buChar char=""/>
-              <a:defRPr sz="1400" kern="1200" cap="none">
-                <a:solidFill>
-                  <a:schemeClr val="bg2">
-                    <a:lumMod val="75000"/>
-                  </a:schemeClr>
-                </a:solidFill>
-                <a:effectLst/>
-                <a:latin typeface="+mn-lt"/>
-                <a:ea typeface="+mn-ea"/>
-                <a:cs typeface="+mn-cs"/>
-              </a:defRPr>
-            </a:lvl9pPr>
-          </a:lstStyle>
-          <a:p>
-            <a:pPr>
-              <a:buBlip>
-                <a:blip r:embed="rId2">
-                  <a:extLst>
-                    <a:ext uri="{96DAC541-7B7A-43D3-8B79-37D633B846F1}">
-                      <asvg:svgBlip xmlns:asvg="http://schemas.microsoft.com/office/drawing/2016/SVG/main" r:embed="rId3"/>
-                    </a:ext>
-                  </a:extLst>
-                </a:blip>
-              </a:buBlip>
-            </a:pPr>
-            <a:r>
-              <a:rPr lang="en-GB" dirty="0"/>
-              <a:t>An Arduino board is connected to a mobile application through a Bluetooth module. </a:t>
-            </a:r>
-          </a:p>
-          <a:p>
-            <a:pPr>
-              <a:buBlip>
-                <a:blip r:embed="rId2">
-                  <a:extLst>
-                    <a:ext uri="{96DAC541-7B7A-43D3-8B79-37D633B846F1}">
-                      <asvg:svgBlip xmlns:asvg="http://schemas.microsoft.com/office/drawing/2016/SVG/main" r:embed="rId3"/>
-                    </a:ext>
-                  </a:extLst>
-                </a:blip>
-              </a:buBlip>
-            </a:pPr>
-            <a:r>
-              <a:rPr lang="en-GB" dirty="0"/>
-              <a:t>A buzzer and a sound sensor are connected to the application through Bluetooth.</a:t>
-            </a:r>
-          </a:p>
-          <a:p>
-            <a:pPr>
-              <a:buBlip>
-                <a:blip r:embed="rId2">
-                  <a:extLst>
-                    <a:ext uri="{96DAC541-7B7A-43D3-8B79-37D633B846F1}">
-                      <asvg:svgBlip xmlns:asvg="http://schemas.microsoft.com/office/drawing/2016/SVG/main" r:embed="rId3"/>
-                    </a:ext>
-                  </a:extLst>
-                </a:blip>
-              </a:buBlip>
-            </a:pPr>
-            <a:r>
-              <a:rPr lang="pl-PL" dirty="0"/>
-              <a:t>A buzzer will be connected to the board, positive leg to positive pin, negative leg to ground. A tone command would be used to play the sound.</a:t>
-            </a:r>
-          </a:p>
-          <a:p>
-            <a:pPr>
-              <a:buBlip>
-                <a:blip r:embed="rId2">
-                  <a:extLst>
-                    <a:ext uri="{96DAC541-7B7A-43D3-8B79-37D633B846F1}">
-                      <asvg:svgBlip xmlns:asvg="http://schemas.microsoft.com/office/drawing/2016/SVG/main" r:embed="rId3"/>
-                    </a:ext>
-                  </a:extLst>
-                </a:blip>
-              </a:buBlip>
-            </a:pPr>
-            <a:r>
-              <a:rPr lang="en-GB" dirty="0"/>
-              <a:t>The application is for android, it has a firebase database of users</a:t>
-            </a:r>
-            <a:r>
-              <a:rPr lang="pl-PL" dirty="0"/>
-              <a:t>.</a:t>
-            </a:r>
-          </a:p>
-          <a:p>
-            <a:pPr>
-              <a:buBlip>
-                <a:blip r:embed="rId2">
-                  <a:extLst>
-                    <a:ext uri="{96DAC541-7B7A-43D3-8B79-37D633B846F1}">
-                      <asvg:svgBlip xmlns:asvg="http://schemas.microsoft.com/office/drawing/2016/SVG/main" r:embed="rId3"/>
-                    </a:ext>
-                  </a:extLst>
-                </a:blip>
-              </a:buBlip>
-            </a:pPr>
-            <a:r>
-              <a:rPr lang="en-GB" dirty="0"/>
-              <a:t>Google Maps API is used to display the map with the current location</a:t>
-            </a:r>
-            <a:r>
-              <a:rPr lang="pl-PL" dirty="0"/>
-              <a:t> of the user</a:t>
-            </a:r>
-            <a:r>
-              <a:rPr lang="en-GB" dirty="0"/>
-              <a:t>.</a:t>
-            </a:r>
-            <a:endParaRPr lang="pl-PL" dirty="0"/>
-          </a:p>
-          <a:p>
-            <a:pPr>
-              <a:buBlip>
-                <a:blip r:embed="rId2">
-                  <a:extLst>
-                    <a:ext uri="{96DAC541-7B7A-43D3-8B79-37D633B846F1}">
-                      <asvg:svgBlip xmlns:asvg="http://schemas.microsoft.com/office/drawing/2016/SVG/main" r:embed="rId3"/>
-                    </a:ext>
-                  </a:extLst>
-                </a:blip>
-              </a:buBlip>
-            </a:pPr>
-            <a:r>
-              <a:rPr lang="pl-PL" dirty="0"/>
-              <a:t>Used GIMP To develop my own graphics for the application</a:t>
-            </a:r>
-          </a:p>
-          <a:p>
-            <a:pPr>
-              <a:buBlip>
-                <a:blip r:embed="rId2">
-                  <a:extLst>
-                    <a:ext uri="{96DAC541-7B7A-43D3-8B79-37D633B846F1}">
-                      <asvg:svgBlip xmlns:asvg="http://schemas.microsoft.com/office/drawing/2016/SVG/main" r:embed="rId3"/>
-                    </a:ext>
-                  </a:extLst>
-                </a:blip>
-              </a:buBlip>
-            </a:pPr>
-            <a:endParaRPr lang="en-GB" dirty="0"/>
-          </a:p>
-          <a:p>
-            <a:pPr>
-              <a:buBlip>
-                <a:blip r:embed="rId2">
-                  <a:extLst>
-                    <a:ext uri="{96DAC541-7B7A-43D3-8B79-37D633B846F1}">
-                      <asvg:svgBlip xmlns:asvg="http://schemas.microsoft.com/office/drawing/2016/SVG/main" r:embed="rId3"/>
-                    </a:ext>
-                  </a:extLst>
-                </a:blip>
-              </a:buBlip>
-            </a:pPr>
-            <a:endParaRPr lang="en-IE" dirty="0"/>
-          </a:p>
-        </p:txBody>
-      </p:sp>
-    </p:spTree>
-    <p:extLst>
-      <p:ext uri="{BB962C8B-B14F-4D97-AF65-F5344CB8AC3E}">
-        <p14:creationId xmlns:p14="http://schemas.microsoft.com/office/powerpoint/2010/main" val="2642548578"/>
       </p:ext>
     </p:extLst>
   </p:cSld>
@@ -6815,6 +6696,548 @@
           <p:cNvPr id="4" name="Title 1">
             <a:extLst>
               <a:ext uri="{FF2B5EF4-FFF2-40B4-BE49-F238E27FC236}">
+                <a16:creationId xmlns:a16="http://schemas.microsoft.com/office/drawing/2014/main" id="{B6F3F2AE-F84D-49D5-AFD9-216CE4FD8845}"/>
+              </a:ext>
+            </a:extLst>
+          </p:cNvPr>
+          <p:cNvSpPr txBox="1">
+            <a:spLocks/>
+          </p:cNvSpPr>
+          <p:nvPr/>
+        </p:nvSpPr>
+        <p:spPr>
+          <a:xfrm>
+            <a:off x="1141413" y="618518"/>
+            <a:ext cx="9905998" cy="1478570"/>
+          </a:xfrm>
+          <a:prstGeom prst="rect">
+            <a:avLst/>
+          </a:prstGeom>
+          <a:effectLst/>
+        </p:spPr>
+        <p:txBody>
+          <a:bodyPr vert="horz" lIns="91440" tIns="45720" rIns="91440" bIns="45720" rtlCol="0" anchor="ctr">
+            <a:normAutofit/>
+          </a:bodyPr>
+          <a:lstStyle>
+            <a:lvl1pPr algn="l" defTabSz="457200" rtl="0" eaLnBrk="1" latinLnBrk="0" hangingPunct="1">
+              <a:spcBef>
+                <a:spcPct val="0"/>
+              </a:spcBef>
+              <a:buNone/>
+              <a:defRPr sz="3600" kern="1200" cap="all">
+                <a:ln w="3175" cmpd="sng">
+                  <a:noFill/>
+                </a:ln>
+                <a:solidFill>
+                  <a:schemeClr val="tx1"/>
+                </a:solidFill>
+                <a:effectLst/>
+                <a:latin typeface="+mj-lt"/>
+                <a:ea typeface="+mj-ea"/>
+                <a:cs typeface="+mj-cs"/>
+              </a:defRPr>
+            </a:lvl1pPr>
+            <a:lvl2pPr eaLnBrk="1" hangingPunct="1">
+              <a:defRPr>
+                <a:solidFill>
+                  <a:schemeClr val="tx2"/>
+                </a:solidFill>
+              </a:defRPr>
+            </a:lvl2pPr>
+            <a:lvl3pPr eaLnBrk="1" hangingPunct="1">
+              <a:defRPr>
+                <a:solidFill>
+                  <a:schemeClr val="tx2"/>
+                </a:solidFill>
+              </a:defRPr>
+            </a:lvl3pPr>
+            <a:lvl4pPr eaLnBrk="1" hangingPunct="1">
+              <a:defRPr>
+                <a:solidFill>
+                  <a:schemeClr val="tx2"/>
+                </a:solidFill>
+              </a:defRPr>
+            </a:lvl4pPr>
+            <a:lvl5pPr eaLnBrk="1" hangingPunct="1">
+              <a:defRPr>
+                <a:solidFill>
+                  <a:schemeClr val="tx2"/>
+                </a:solidFill>
+              </a:defRPr>
+            </a:lvl5pPr>
+            <a:lvl6pPr eaLnBrk="1" hangingPunct="1">
+              <a:defRPr>
+                <a:solidFill>
+                  <a:schemeClr val="tx2"/>
+                </a:solidFill>
+              </a:defRPr>
+            </a:lvl6pPr>
+            <a:lvl7pPr eaLnBrk="1" hangingPunct="1">
+              <a:defRPr>
+                <a:solidFill>
+                  <a:schemeClr val="tx2"/>
+                </a:solidFill>
+              </a:defRPr>
+            </a:lvl7pPr>
+            <a:lvl8pPr eaLnBrk="1" hangingPunct="1">
+              <a:defRPr>
+                <a:solidFill>
+                  <a:schemeClr val="tx2"/>
+                </a:solidFill>
+              </a:defRPr>
+            </a:lvl8pPr>
+            <a:lvl9pPr eaLnBrk="1" hangingPunct="1">
+              <a:defRPr>
+                <a:solidFill>
+                  <a:schemeClr val="tx2"/>
+                </a:solidFill>
+              </a:defRPr>
+            </a:lvl9pPr>
+          </a:lstStyle>
+          <a:p>
+            <a:r>
+              <a:rPr lang="pl-PL" dirty="0"/>
+              <a:t>Technology That I Have used</a:t>
+            </a:r>
+            <a:endParaRPr lang="en-IE" dirty="0"/>
+          </a:p>
+        </p:txBody>
+      </p:sp>
+      <p:sp>
+        <p:nvSpPr>
+          <p:cNvPr id="5" name="Content Placeholder 2">
+            <a:extLst>
+              <a:ext uri="{FF2B5EF4-FFF2-40B4-BE49-F238E27FC236}">
+                <a16:creationId xmlns:a16="http://schemas.microsoft.com/office/drawing/2014/main" id="{C8E7804D-BCE4-47DF-B7A1-6D25FDA6BFCD}"/>
+              </a:ext>
+            </a:extLst>
+          </p:cNvPr>
+          <p:cNvSpPr txBox="1">
+            <a:spLocks/>
+          </p:cNvSpPr>
+          <p:nvPr/>
+        </p:nvSpPr>
+        <p:spPr>
+          <a:xfrm>
+            <a:off x="1141413" y="1983332"/>
+            <a:ext cx="9905998" cy="4363454"/>
+          </a:xfrm>
+          <a:prstGeom prst="rect">
+            <a:avLst/>
+          </a:prstGeom>
+        </p:spPr>
+        <p:txBody>
+          <a:bodyPr vert="horz" lIns="91440" tIns="45720" rIns="91440" bIns="45720" rtlCol="0" anchor="ctr">
+            <a:normAutofit/>
+          </a:bodyPr>
+          <a:lstStyle>
+            <a:lvl1pPr marL="285750" indent="-285750" algn="l" defTabSz="457200" rtl="0" eaLnBrk="1" latinLnBrk="0" hangingPunct="1">
+              <a:spcBef>
+                <a:spcPct val="20000"/>
+              </a:spcBef>
+              <a:spcAft>
+                <a:spcPts val="600"/>
+              </a:spcAft>
+              <a:buClr>
+                <a:schemeClr val="tx1"/>
+              </a:buClr>
+              <a:buSzPct val="80000"/>
+              <a:buFont typeface="Wingdings 3" panose="05040102010807070707" pitchFamily="18" charset="2"/>
+              <a:buChar char=""/>
+              <a:defRPr sz="2000" kern="1200" cap="none">
+                <a:solidFill>
+                  <a:schemeClr val="bg2">
+                    <a:lumMod val="75000"/>
+                  </a:schemeClr>
+                </a:solidFill>
+                <a:effectLst/>
+                <a:latin typeface="+mn-lt"/>
+                <a:ea typeface="+mn-ea"/>
+                <a:cs typeface="+mn-cs"/>
+              </a:defRPr>
+            </a:lvl1pPr>
+            <a:lvl2pPr marL="742950" indent="-285750" algn="l" defTabSz="457200" rtl="0" eaLnBrk="1" latinLnBrk="0" hangingPunct="1">
+              <a:spcBef>
+                <a:spcPct val="20000"/>
+              </a:spcBef>
+              <a:spcAft>
+                <a:spcPts val="600"/>
+              </a:spcAft>
+              <a:buClr>
+                <a:schemeClr val="tx1"/>
+              </a:buClr>
+              <a:buSzPct val="80000"/>
+              <a:buFont typeface="Wingdings 3" panose="05040102010807070707" pitchFamily="18" charset="2"/>
+              <a:buChar char=""/>
+              <a:defRPr sz="1800" kern="1200" cap="none">
+                <a:solidFill>
+                  <a:schemeClr val="bg2">
+                    <a:lumMod val="75000"/>
+                  </a:schemeClr>
+                </a:solidFill>
+                <a:effectLst/>
+                <a:latin typeface="+mn-lt"/>
+                <a:ea typeface="+mn-ea"/>
+                <a:cs typeface="+mn-cs"/>
+              </a:defRPr>
+            </a:lvl2pPr>
+            <a:lvl3pPr marL="1200150" indent="-285750" algn="l" defTabSz="457200" rtl="0" eaLnBrk="1" latinLnBrk="0" hangingPunct="1">
+              <a:spcBef>
+                <a:spcPct val="20000"/>
+              </a:spcBef>
+              <a:spcAft>
+                <a:spcPts val="600"/>
+              </a:spcAft>
+              <a:buClr>
+                <a:schemeClr val="tx1"/>
+              </a:buClr>
+              <a:buSzPct val="80000"/>
+              <a:buFont typeface="Wingdings 3" panose="05040102010807070707" pitchFamily="18" charset="2"/>
+              <a:buChar char=""/>
+              <a:defRPr sz="1600" kern="1200" cap="none">
+                <a:solidFill>
+                  <a:schemeClr val="bg2">
+                    <a:lumMod val="75000"/>
+                  </a:schemeClr>
+                </a:solidFill>
+                <a:effectLst/>
+                <a:latin typeface="+mn-lt"/>
+                <a:ea typeface="+mn-ea"/>
+                <a:cs typeface="+mn-cs"/>
+              </a:defRPr>
+            </a:lvl3pPr>
+            <a:lvl4pPr marL="1543050" indent="-171450" algn="l" defTabSz="457200" rtl="0" eaLnBrk="1" latinLnBrk="0" hangingPunct="1">
+              <a:spcBef>
+                <a:spcPct val="20000"/>
+              </a:spcBef>
+              <a:spcAft>
+                <a:spcPts val="600"/>
+              </a:spcAft>
+              <a:buClr>
+                <a:schemeClr val="tx1"/>
+              </a:buClr>
+              <a:buSzPct val="80000"/>
+              <a:buFont typeface="Wingdings 3" panose="05040102010807070707" pitchFamily="18" charset="2"/>
+              <a:buChar char=""/>
+              <a:defRPr sz="1400" kern="1200" cap="none">
+                <a:solidFill>
+                  <a:schemeClr val="bg2">
+                    <a:lumMod val="75000"/>
+                  </a:schemeClr>
+                </a:solidFill>
+                <a:effectLst/>
+                <a:latin typeface="+mn-lt"/>
+                <a:ea typeface="+mn-ea"/>
+                <a:cs typeface="+mn-cs"/>
+              </a:defRPr>
+            </a:lvl4pPr>
+            <a:lvl5pPr marL="2000250" indent="-171450" algn="l" defTabSz="457200" rtl="0" eaLnBrk="1" latinLnBrk="0" hangingPunct="1">
+              <a:spcBef>
+                <a:spcPct val="20000"/>
+              </a:spcBef>
+              <a:spcAft>
+                <a:spcPts val="600"/>
+              </a:spcAft>
+              <a:buClr>
+                <a:schemeClr val="tx1"/>
+              </a:buClr>
+              <a:buSzPct val="80000"/>
+              <a:buFont typeface="Wingdings 3" panose="05040102010807070707" pitchFamily="18" charset="2"/>
+              <a:buChar char=""/>
+              <a:defRPr sz="1400" kern="1200" cap="none">
+                <a:solidFill>
+                  <a:schemeClr val="bg2">
+                    <a:lumMod val="75000"/>
+                  </a:schemeClr>
+                </a:solidFill>
+                <a:effectLst/>
+                <a:latin typeface="+mn-lt"/>
+                <a:ea typeface="+mn-ea"/>
+                <a:cs typeface="+mn-cs"/>
+              </a:defRPr>
+            </a:lvl5pPr>
+            <a:lvl6pPr marL="2514600" indent="-228600" algn="l" defTabSz="457200" rtl="0" eaLnBrk="1" latinLnBrk="0" hangingPunct="1">
+              <a:spcBef>
+                <a:spcPct val="20000"/>
+              </a:spcBef>
+              <a:spcAft>
+                <a:spcPts val="600"/>
+              </a:spcAft>
+              <a:buClr>
+                <a:schemeClr val="tx1"/>
+              </a:buClr>
+              <a:buSzPct val="80000"/>
+              <a:buFont typeface="Wingdings 3" panose="05040102010807070707" pitchFamily="18" charset="2"/>
+              <a:buChar char=""/>
+              <a:defRPr sz="1400" kern="1200" cap="none">
+                <a:solidFill>
+                  <a:schemeClr val="bg2">
+                    <a:lumMod val="75000"/>
+                  </a:schemeClr>
+                </a:solidFill>
+                <a:effectLst/>
+                <a:latin typeface="+mn-lt"/>
+                <a:ea typeface="+mn-ea"/>
+                <a:cs typeface="+mn-cs"/>
+              </a:defRPr>
+            </a:lvl6pPr>
+            <a:lvl7pPr marL="2971800" indent="-228600" algn="l" defTabSz="457200" rtl="0" eaLnBrk="1" latinLnBrk="0" hangingPunct="1">
+              <a:spcBef>
+                <a:spcPct val="20000"/>
+              </a:spcBef>
+              <a:spcAft>
+                <a:spcPts val="600"/>
+              </a:spcAft>
+              <a:buClr>
+                <a:schemeClr val="tx1"/>
+              </a:buClr>
+              <a:buSzPct val="80000"/>
+              <a:buFont typeface="Wingdings 3" panose="05040102010807070707" pitchFamily="18" charset="2"/>
+              <a:buChar char=""/>
+              <a:defRPr sz="1400" kern="1200" cap="none">
+                <a:solidFill>
+                  <a:schemeClr val="bg2">
+                    <a:lumMod val="75000"/>
+                  </a:schemeClr>
+                </a:solidFill>
+                <a:effectLst/>
+                <a:latin typeface="+mn-lt"/>
+                <a:ea typeface="+mn-ea"/>
+                <a:cs typeface="+mn-cs"/>
+              </a:defRPr>
+            </a:lvl7pPr>
+            <a:lvl8pPr marL="3429000" indent="-228600" algn="l" defTabSz="457200" rtl="0" eaLnBrk="1" latinLnBrk="0" hangingPunct="1">
+              <a:spcBef>
+                <a:spcPct val="20000"/>
+              </a:spcBef>
+              <a:spcAft>
+                <a:spcPts val="600"/>
+              </a:spcAft>
+              <a:buClr>
+                <a:schemeClr val="tx1"/>
+              </a:buClr>
+              <a:buSzPct val="80000"/>
+              <a:buFont typeface="Wingdings 3" panose="05040102010807070707" pitchFamily="18" charset="2"/>
+              <a:buChar char=""/>
+              <a:defRPr sz="1400" kern="1200" cap="none">
+                <a:solidFill>
+                  <a:schemeClr val="bg2">
+                    <a:lumMod val="75000"/>
+                  </a:schemeClr>
+                </a:solidFill>
+                <a:effectLst/>
+                <a:latin typeface="+mn-lt"/>
+                <a:ea typeface="+mn-ea"/>
+                <a:cs typeface="+mn-cs"/>
+              </a:defRPr>
+            </a:lvl8pPr>
+            <a:lvl9pPr marL="3886200" indent="-228600" algn="l" defTabSz="457200" rtl="0" eaLnBrk="1" latinLnBrk="0" hangingPunct="1">
+              <a:spcBef>
+                <a:spcPct val="20000"/>
+              </a:spcBef>
+              <a:spcAft>
+                <a:spcPts val="600"/>
+              </a:spcAft>
+              <a:buClr>
+                <a:schemeClr val="tx1"/>
+              </a:buClr>
+              <a:buSzPct val="80000"/>
+              <a:buFont typeface="Wingdings 3" panose="05040102010807070707" pitchFamily="18" charset="2"/>
+              <a:buChar char=""/>
+              <a:defRPr sz="1400" kern="1200" cap="none">
+                <a:solidFill>
+                  <a:schemeClr val="bg2">
+                    <a:lumMod val="75000"/>
+                  </a:schemeClr>
+                </a:solidFill>
+                <a:effectLst/>
+                <a:latin typeface="+mn-lt"/>
+                <a:ea typeface="+mn-ea"/>
+                <a:cs typeface="+mn-cs"/>
+              </a:defRPr>
+            </a:lvl9pPr>
+          </a:lstStyle>
+          <a:p>
+            <a:pPr>
+              <a:buBlip>
+                <a:blip r:embed="rId2">
+                  <a:extLst>
+                    <a:ext uri="{96DAC541-7B7A-43D3-8B79-37D633B846F1}">
+                      <asvg:svgBlip xmlns:asvg="http://schemas.microsoft.com/office/drawing/2016/SVG/main" r:embed="rId3"/>
+                    </a:ext>
+                  </a:extLst>
+                </a:blip>
+              </a:buBlip>
+            </a:pPr>
+            <a:r>
+              <a:rPr lang="en-GB" dirty="0"/>
+              <a:t>An Arduino board is connected to a mobile application through a Bluetooth module. </a:t>
+            </a:r>
+          </a:p>
+          <a:p>
+            <a:pPr>
+              <a:buBlip>
+                <a:blip r:embed="rId2">
+                  <a:extLst>
+                    <a:ext uri="{96DAC541-7B7A-43D3-8B79-37D633B846F1}">
+                      <asvg:svgBlip xmlns:asvg="http://schemas.microsoft.com/office/drawing/2016/SVG/main" r:embed="rId3"/>
+                    </a:ext>
+                  </a:extLst>
+                </a:blip>
+              </a:buBlip>
+            </a:pPr>
+            <a:r>
+              <a:rPr lang="en-GB" dirty="0"/>
+              <a:t>A buzzer and a sound sensor are connected to the application through Bluetooth.</a:t>
+            </a:r>
+          </a:p>
+          <a:p>
+            <a:pPr>
+              <a:buBlip>
+                <a:blip r:embed="rId2">
+                  <a:extLst>
+                    <a:ext uri="{96DAC541-7B7A-43D3-8B79-37D633B846F1}">
+                      <asvg:svgBlip xmlns:asvg="http://schemas.microsoft.com/office/drawing/2016/SVG/main" r:embed="rId3"/>
+                    </a:ext>
+                  </a:extLst>
+                </a:blip>
+              </a:buBlip>
+            </a:pPr>
+            <a:r>
+              <a:rPr lang="pl-PL" dirty="0"/>
+              <a:t>A buzzer will be connected to the board, positive leg to positive pin, negative leg to ground. A tone command would be used to play the sound.</a:t>
+            </a:r>
+          </a:p>
+          <a:p>
+            <a:pPr>
+              <a:buBlip>
+                <a:blip r:embed="rId2">
+                  <a:extLst>
+                    <a:ext uri="{96DAC541-7B7A-43D3-8B79-37D633B846F1}">
+                      <asvg:svgBlip xmlns:asvg="http://schemas.microsoft.com/office/drawing/2016/SVG/main" r:embed="rId3"/>
+                    </a:ext>
+                  </a:extLst>
+                </a:blip>
+              </a:buBlip>
+            </a:pPr>
+            <a:r>
+              <a:rPr lang="en-GB" dirty="0"/>
+              <a:t>The application is for android, it has a firebase database of users</a:t>
+            </a:r>
+            <a:r>
+              <a:rPr lang="pl-PL" dirty="0"/>
+              <a:t>.</a:t>
+            </a:r>
+          </a:p>
+          <a:p>
+            <a:pPr>
+              <a:buBlip>
+                <a:blip r:embed="rId2">
+                  <a:extLst>
+                    <a:ext uri="{96DAC541-7B7A-43D3-8B79-37D633B846F1}">
+                      <asvg:svgBlip xmlns:asvg="http://schemas.microsoft.com/office/drawing/2016/SVG/main" r:embed="rId3"/>
+                    </a:ext>
+                  </a:extLst>
+                </a:blip>
+              </a:buBlip>
+            </a:pPr>
+            <a:r>
+              <a:rPr lang="en-GB" dirty="0"/>
+              <a:t>Google Maps API is used to display the map with the current location</a:t>
+            </a:r>
+            <a:r>
+              <a:rPr lang="pl-PL" dirty="0"/>
+              <a:t> of the user</a:t>
+            </a:r>
+            <a:r>
+              <a:rPr lang="en-GB" dirty="0"/>
+              <a:t>.</a:t>
+            </a:r>
+            <a:endParaRPr lang="pl-PL" dirty="0"/>
+          </a:p>
+          <a:p>
+            <a:pPr>
+              <a:buBlip>
+                <a:blip r:embed="rId2">
+                  <a:extLst>
+                    <a:ext uri="{96DAC541-7B7A-43D3-8B79-37D633B846F1}">
+                      <asvg:svgBlip xmlns:asvg="http://schemas.microsoft.com/office/drawing/2016/SVG/main" r:embed="rId3"/>
+                    </a:ext>
+                  </a:extLst>
+                </a:blip>
+              </a:buBlip>
+            </a:pPr>
+            <a:r>
+              <a:rPr lang="pl-PL" dirty="0"/>
+              <a:t>Used GIMP To develop my own graphics for the application</a:t>
+            </a:r>
+          </a:p>
+          <a:p>
+            <a:pPr>
+              <a:buBlip>
+                <a:blip r:embed="rId2">
+                  <a:extLst>
+                    <a:ext uri="{96DAC541-7B7A-43D3-8B79-37D633B846F1}">
+                      <asvg:svgBlip xmlns:asvg="http://schemas.microsoft.com/office/drawing/2016/SVG/main" r:embed="rId3"/>
+                    </a:ext>
+                  </a:extLst>
+                </a:blip>
+              </a:buBlip>
+            </a:pPr>
+            <a:endParaRPr lang="en-GB" dirty="0"/>
+          </a:p>
+          <a:p>
+            <a:pPr>
+              <a:buBlip>
+                <a:blip r:embed="rId2">
+                  <a:extLst>
+                    <a:ext uri="{96DAC541-7B7A-43D3-8B79-37D633B846F1}">
+                      <asvg:svgBlip xmlns:asvg="http://schemas.microsoft.com/office/drawing/2016/SVG/main" r:embed="rId3"/>
+                    </a:ext>
+                  </a:extLst>
+                </a:blip>
+              </a:buBlip>
+            </a:pPr>
+            <a:endParaRPr lang="en-IE" dirty="0"/>
+          </a:p>
+        </p:txBody>
+      </p:sp>
+    </p:spTree>
+    <p:extLst>
+      <p:ext uri="{BB962C8B-B14F-4D97-AF65-F5344CB8AC3E}">
+        <p14:creationId xmlns:p14="http://schemas.microsoft.com/office/powerpoint/2010/main" val="2642548578"/>
+      </p:ext>
+    </p:extLst>
+  </p:cSld>
+  <p:clrMapOvr>
+    <a:masterClrMapping/>
+  </p:clrMapOvr>
+</p:sld>
+</file>
+
+<file path=ppt/slides/slide5.xml><?xml version="1.0" encoding="utf-8"?>
+<p:sld xmlns:a="http://schemas.openxmlformats.org/drawingml/2006/main" xmlns:r="http://schemas.openxmlformats.org/officeDocument/2006/relationships" xmlns:p="http://schemas.openxmlformats.org/presentationml/2006/main">
+  <p:cSld>
+    <p:spTree>
+      <p:nvGrpSpPr>
+        <p:cNvPr id="1" name=""/>
+        <p:cNvGrpSpPr/>
+        <p:nvPr/>
+      </p:nvGrpSpPr>
+      <p:grpSpPr>
+        <a:xfrm>
+          <a:off x="0" y="0"/>
+          <a:ext cx="0" cy="0"/>
+          <a:chOff x="0" y="0"/>
+          <a:chExt cx="0" cy="0"/>
+        </a:xfrm>
+      </p:grpSpPr>
+      <p:sp>
+        <p:nvSpPr>
+          <p:cNvPr id="4" name="Title 1">
+            <a:extLst>
+              <a:ext uri="{FF2B5EF4-FFF2-40B4-BE49-F238E27FC236}">
                 <a16:creationId xmlns:a16="http://schemas.microsoft.com/office/drawing/2014/main" id="{E728C609-7C3E-4E80-91AC-4040B7301A6C}"/>
               </a:ext>
             </a:extLst>
@@ -7234,7 +7657,7 @@
             </a:pPr>
             <a:r>
               <a:rPr lang="pl-PL" dirty="0"/>
-              <a:t>Canvas and the way it uses bitmaps is not the way I want it. I.e. The user has a building plan, he has to draw over it as the bitmap is only a background image, and can’t be loaded back into canvas (as of 11/04). Limitations due to a small amount i.e. 0 libraries to dispaly nodes in android.</a:t>
+              <a:t>Canvas and the way it uses bitmaps is not the way I want it. I.e. The user has a building plan, he has to draw over it as the bitmap is only a background image, and can’t be loaded back into canvas (as of 11/04). Limitations due to a small amount i.e. 0 libr	aries to dispaly nodes in android.</a:t>
             </a:r>
           </a:p>
           <a:p>
@@ -7322,7 +7745,423 @@
 </p:sld>
 </file>
 
-<file path=ppt/slides/slide5.xml><?xml version="1.0" encoding="utf-8"?>
+<file path=ppt/slides/slide6.xml><?xml version="1.0" encoding="utf-8"?>
+<p:sld xmlns:a="http://schemas.openxmlformats.org/drawingml/2006/main" xmlns:r="http://schemas.openxmlformats.org/officeDocument/2006/relationships" xmlns:p="http://schemas.openxmlformats.org/presentationml/2006/main">
+  <p:cSld>
+    <p:spTree>
+      <p:nvGrpSpPr>
+        <p:cNvPr id="1" name=""/>
+        <p:cNvGrpSpPr/>
+        <p:nvPr/>
+      </p:nvGrpSpPr>
+      <p:grpSpPr>
+        <a:xfrm>
+          <a:off x="0" y="0"/>
+          <a:ext cx="0" cy="0"/>
+          <a:chOff x="0" y="0"/>
+          <a:chExt cx="0" cy="0"/>
+        </a:xfrm>
+      </p:grpSpPr>
+      <p:sp>
+        <p:nvSpPr>
+          <p:cNvPr id="4" name="Title 1">
+            <a:extLst>
+              <a:ext uri="{FF2B5EF4-FFF2-40B4-BE49-F238E27FC236}">
+                <a16:creationId xmlns:a16="http://schemas.microsoft.com/office/drawing/2014/main" id="{EED7D092-F78C-4BE7-87D2-A91E51E40F6A}"/>
+              </a:ext>
+            </a:extLst>
+          </p:cNvPr>
+          <p:cNvSpPr txBox="1">
+            <a:spLocks/>
+          </p:cNvSpPr>
+          <p:nvPr/>
+        </p:nvSpPr>
+        <p:spPr>
+          <a:xfrm>
+            <a:off x="1143001" y="294427"/>
+            <a:ext cx="9905998" cy="1478570"/>
+          </a:xfrm>
+          <a:prstGeom prst="rect">
+            <a:avLst/>
+          </a:prstGeom>
+          <a:effectLst/>
+        </p:spPr>
+        <p:txBody>
+          <a:bodyPr vert="horz" lIns="91440" tIns="45720" rIns="91440" bIns="45720" rtlCol="0" anchor="b">
+            <a:normAutofit/>
+          </a:bodyPr>
+          <a:lstStyle>
+            <a:lvl1pPr algn="l" defTabSz="457200" rtl="0" eaLnBrk="1" latinLnBrk="0" hangingPunct="1">
+              <a:spcBef>
+                <a:spcPct val="0"/>
+              </a:spcBef>
+              <a:buNone/>
+              <a:defRPr sz="4800" kern="1200" cap="all">
+                <a:ln w="3175" cmpd="sng">
+                  <a:noFill/>
+                </a:ln>
+                <a:solidFill>
+                  <a:schemeClr val="tx1"/>
+                </a:solidFill>
+                <a:effectLst/>
+                <a:latin typeface="+mj-lt"/>
+                <a:ea typeface="+mj-ea"/>
+                <a:cs typeface="+mj-cs"/>
+              </a:defRPr>
+            </a:lvl1pPr>
+            <a:lvl2pPr eaLnBrk="1" hangingPunct="1">
+              <a:defRPr>
+                <a:solidFill>
+                  <a:schemeClr val="tx2"/>
+                </a:solidFill>
+              </a:defRPr>
+            </a:lvl2pPr>
+            <a:lvl3pPr eaLnBrk="1" hangingPunct="1">
+              <a:defRPr>
+                <a:solidFill>
+                  <a:schemeClr val="tx2"/>
+                </a:solidFill>
+              </a:defRPr>
+            </a:lvl3pPr>
+            <a:lvl4pPr eaLnBrk="1" hangingPunct="1">
+              <a:defRPr>
+                <a:solidFill>
+                  <a:schemeClr val="tx2"/>
+                </a:solidFill>
+              </a:defRPr>
+            </a:lvl4pPr>
+            <a:lvl5pPr eaLnBrk="1" hangingPunct="1">
+              <a:defRPr>
+                <a:solidFill>
+                  <a:schemeClr val="tx2"/>
+                </a:solidFill>
+              </a:defRPr>
+            </a:lvl5pPr>
+            <a:lvl6pPr eaLnBrk="1" hangingPunct="1">
+              <a:defRPr>
+                <a:solidFill>
+                  <a:schemeClr val="tx2"/>
+                </a:solidFill>
+              </a:defRPr>
+            </a:lvl6pPr>
+            <a:lvl7pPr eaLnBrk="1" hangingPunct="1">
+              <a:defRPr>
+                <a:solidFill>
+                  <a:schemeClr val="tx2"/>
+                </a:solidFill>
+              </a:defRPr>
+            </a:lvl7pPr>
+            <a:lvl8pPr eaLnBrk="1" hangingPunct="1">
+              <a:defRPr>
+                <a:solidFill>
+                  <a:schemeClr val="tx2"/>
+                </a:solidFill>
+              </a:defRPr>
+            </a:lvl8pPr>
+            <a:lvl9pPr eaLnBrk="1" hangingPunct="1">
+              <a:defRPr>
+                <a:solidFill>
+                  <a:schemeClr val="tx2"/>
+                </a:solidFill>
+              </a:defRPr>
+            </a:lvl9pPr>
+          </a:lstStyle>
+          <a:p>
+            <a:r>
+              <a:rPr lang="pl-PL" dirty="0"/>
+              <a:t>Future </a:t>
+            </a:r>
+            <a:endParaRPr lang="en-IE" dirty="0"/>
+          </a:p>
+        </p:txBody>
+      </p:sp>
+      <p:sp>
+        <p:nvSpPr>
+          <p:cNvPr id="5" name="Content Placeholder 2">
+            <a:extLst>
+              <a:ext uri="{FF2B5EF4-FFF2-40B4-BE49-F238E27FC236}">
+                <a16:creationId xmlns:a16="http://schemas.microsoft.com/office/drawing/2014/main" id="{5DB20DE8-C78E-4930-9773-85E10C450424}"/>
+              </a:ext>
+            </a:extLst>
+          </p:cNvPr>
+          <p:cNvSpPr txBox="1">
+            <a:spLocks/>
+          </p:cNvSpPr>
+          <p:nvPr/>
+        </p:nvSpPr>
+        <p:spPr>
+          <a:xfrm>
+            <a:off x="841093" y="2085514"/>
+            <a:ext cx="10509813" cy="4569929"/>
+          </a:xfrm>
+          <a:prstGeom prst="rect">
+            <a:avLst/>
+          </a:prstGeom>
+        </p:spPr>
+        <p:txBody>
+          <a:bodyPr vert="horz" lIns="91440" tIns="45720" rIns="91440" bIns="45720" rtlCol="0" anchor="t">
+            <a:normAutofit/>
+          </a:bodyPr>
+          <a:lstStyle>
+            <a:lvl1pPr marL="0" indent="0" algn="l" defTabSz="457200" rtl="0" eaLnBrk="1" latinLnBrk="0" hangingPunct="1">
+              <a:spcBef>
+                <a:spcPct val="20000"/>
+              </a:spcBef>
+              <a:spcAft>
+                <a:spcPts val="600"/>
+              </a:spcAft>
+              <a:buClr>
+                <a:schemeClr val="tx1"/>
+              </a:buClr>
+              <a:buSzPct val="80000"/>
+              <a:buFont typeface="Wingdings 3" panose="05040102010807070707" pitchFamily="18" charset="2"/>
+              <a:buNone/>
+              <a:defRPr sz="2100" kern="1200" cap="none">
+                <a:solidFill>
+                  <a:schemeClr val="bg2">
+                    <a:lumMod val="75000"/>
+                  </a:schemeClr>
+                </a:solidFill>
+                <a:effectLst/>
+                <a:latin typeface="+mn-lt"/>
+                <a:ea typeface="+mn-ea"/>
+                <a:cs typeface="+mn-cs"/>
+              </a:defRPr>
+            </a:lvl1pPr>
+            <a:lvl2pPr marL="457200" indent="0" algn="ctr" defTabSz="457200" rtl="0" eaLnBrk="1" latinLnBrk="0" hangingPunct="1">
+              <a:spcBef>
+                <a:spcPct val="20000"/>
+              </a:spcBef>
+              <a:spcAft>
+                <a:spcPts val="600"/>
+              </a:spcAft>
+              <a:buClr>
+                <a:schemeClr val="tx1"/>
+              </a:buClr>
+              <a:buSzPct val="80000"/>
+              <a:buFont typeface="Wingdings 3" panose="05040102010807070707" pitchFamily="18" charset="2"/>
+              <a:buNone/>
+              <a:defRPr sz="1800" kern="1200" cap="none">
+                <a:solidFill>
+                  <a:schemeClr val="tx1">
+                    <a:tint val="75000"/>
+                  </a:schemeClr>
+                </a:solidFill>
+                <a:effectLst/>
+                <a:latin typeface="+mn-lt"/>
+                <a:ea typeface="+mn-ea"/>
+                <a:cs typeface="+mn-cs"/>
+              </a:defRPr>
+            </a:lvl2pPr>
+            <a:lvl3pPr marL="914400" indent="0" algn="ctr" defTabSz="457200" rtl="0" eaLnBrk="1" latinLnBrk="0" hangingPunct="1">
+              <a:spcBef>
+                <a:spcPct val="20000"/>
+              </a:spcBef>
+              <a:spcAft>
+                <a:spcPts val="600"/>
+              </a:spcAft>
+              <a:buClr>
+                <a:schemeClr val="tx1"/>
+              </a:buClr>
+              <a:buSzPct val="80000"/>
+              <a:buFont typeface="Wingdings 3" panose="05040102010807070707" pitchFamily="18" charset="2"/>
+              <a:buNone/>
+              <a:defRPr sz="1600" kern="1200" cap="none">
+                <a:solidFill>
+                  <a:schemeClr val="tx1">
+                    <a:tint val="75000"/>
+                  </a:schemeClr>
+                </a:solidFill>
+                <a:effectLst/>
+                <a:latin typeface="+mn-lt"/>
+                <a:ea typeface="+mn-ea"/>
+                <a:cs typeface="+mn-cs"/>
+              </a:defRPr>
+            </a:lvl3pPr>
+            <a:lvl4pPr marL="1371600" indent="0" algn="ctr" defTabSz="457200" rtl="0" eaLnBrk="1" latinLnBrk="0" hangingPunct="1">
+              <a:spcBef>
+                <a:spcPct val="20000"/>
+              </a:spcBef>
+              <a:spcAft>
+                <a:spcPts val="600"/>
+              </a:spcAft>
+              <a:buClr>
+                <a:schemeClr val="tx1"/>
+              </a:buClr>
+              <a:buSzPct val="80000"/>
+              <a:buFont typeface="Wingdings 3" panose="05040102010807070707" pitchFamily="18" charset="2"/>
+              <a:buNone/>
+              <a:defRPr sz="1400" kern="1200" cap="none">
+                <a:solidFill>
+                  <a:schemeClr val="tx1">
+                    <a:tint val="75000"/>
+                  </a:schemeClr>
+                </a:solidFill>
+                <a:effectLst/>
+                <a:latin typeface="+mn-lt"/>
+                <a:ea typeface="+mn-ea"/>
+                <a:cs typeface="+mn-cs"/>
+              </a:defRPr>
+            </a:lvl4pPr>
+            <a:lvl5pPr marL="1828800" indent="0" algn="ctr" defTabSz="457200" rtl="0" eaLnBrk="1" latinLnBrk="0" hangingPunct="1">
+              <a:spcBef>
+                <a:spcPct val="20000"/>
+              </a:spcBef>
+              <a:spcAft>
+                <a:spcPts val="600"/>
+              </a:spcAft>
+              <a:buClr>
+                <a:schemeClr val="tx1"/>
+              </a:buClr>
+              <a:buSzPct val="80000"/>
+              <a:buFont typeface="Wingdings 3" panose="05040102010807070707" pitchFamily="18" charset="2"/>
+              <a:buNone/>
+              <a:defRPr sz="1400" kern="1200" cap="none">
+                <a:solidFill>
+                  <a:schemeClr val="tx1">
+                    <a:tint val="75000"/>
+                  </a:schemeClr>
+                </a:solidFill>
+                <a:effectLst/>
+                <a:latin typeface="+mn-lt"/>
+                <a:ea typeface="+mn-ea"/>
+                <a:cs typeface="+mn-cs"/>
+              </a:defRPr>
+            </a:lvl5pPr>
+            <a:lvl6pPr marL="2286000" indent="0" algn="ctr" defTabSz="457200" rtl="0" eaLnBrk="1" latinLnBrk="0" hangingPunct="1">
+              <a:spcBef>
+                <a:spcPct val="20000"/>
+              </a:spcBef>
+              <a:spcAft>
+                <a:spcPts val="600"/>
+              </a:spcAft>
+              <a:buClr>
+                <a:schemeClr val="tx1"/>
+              </a:buClr>
+              <a:buSzPct val="80000"/>
+              <a:buFont typeface="Wingdings 3" panose="05040102010807070707" pitchFamily="18" charset="2"/>
+              <a:buNone/>
+              <a:defRPr sz="1400" kern="1200" cap="none">
+                <a:solidFill>
+                  <a:schemeClr val="tx1">
+                    <a:tint val="75000"/>
+                  </a:schemeClr>
+                </a:solidFill>
+                <a:effectLst/>
+                <a:latin typeface="+mn-lt"/>
+                <a:ea typeface="+mn-ea"/>
+                <a:cs typeface="+mn-cs"/>
+              </a:defRPr>
+            </a:lvl6pPr>
+            <a:lvl7pPr marL="2743200" indent="0" algn="ctr" defTabSz="457200" rtl="0" eaLnBrk="1" latinLnBrk="0" hangingPunct="1">
+              <a:spcBef>
+                <a:spcPct val="20000"/>
+              </a:spcBef>
+              <a:spcAft>
+                <a:spcPts val="600"/>
+              </a:spcAft>
+              <a:buClr>
+                <a:schemeClr val="tx1"/>
+              </a:buClr>
+              <a:buSzPct val="80000"/>
+              <a:buFont typeface="Wingdings 3" panose="05040102010807070707" pitchFamily="18" charset="2"/>
+              <a:buNone/>
+              <a:defRPr sz="1400" kern="1200" cap="none">
+                <a:solidFill>
+                  <a:schemeClr val="tx1">
+                    <a:tint val="75000"/>
+                  </a:schemeClr>
+                </a:solidFill>
+                <a:effectLst/>
+                <a:latin typeface="+mn-lt"/>
+                <a:ea typeface="+mn-ea"/>
+                <a:cs typeface="+mn-cs"/>
+              </a:defRPr>
+            </a:lvl7pPr>
+            <a:lvl8pPr marL="3200400" indent="0" algn="ctr" defTabSz="457200" rtl="0" eaLnBrk="1" latinLnBrk="0" hangingPunct="1">
+              <a:spcBef>
+                <a:spcPct val="20000"/>
+              </a:spcBef>
+              <a:spcAft>
+                <a:spcPts val="600"/>
+              </a:spcAft>
+              <a:buClr>
+                <a:schemeClr val="tx1"/>
+              </a:buClr>
+              <a:buSzPct val="80000"/>
+              <a:buFont typeface="Wingdings 3" panose="05040102010807070707" pitchFamily="18" charset="2"/>
+              <a:buNone/>
+              <a:defRPr sz="1400" kern="1200" cap="none">
+                <a:solidFill>
+                  <a:schemeClr val="tx1">
+                    <a:tint val="75000"/>
+                  </a:schemeClr>
+                </a:solidFill>
+                <a:effectLst/>
+                <a:latin typeface="+mn-lt"/>
+                <a:ea typeface="+mn-ea"/>
+                <a:cs typeface="+mn-cs"/>
+              </a:defRPr>
+            </a:lvl8pPr>
+            <a:lvl9pPr marL="3657600" indent="0" algn="ctr" defTabSz="457200" rtl="0" eaLnBrk="1" latinLnBrk="0" hangingPunct="1">
+              <a:spcBef>
+                <a:spcPct val="20000"/>
+              </a:spcBef>
+              <a:spcAft>
+                <a:spcPts val="600"/>
+              </a:spcAft>
+              <a:buClr>
+                <a:schemeClr val="tx1"/>
+              </a:buClr>
+              <a:buSzPct val="80000"/>
+              <a:buFont typeface="Wingdings 3" panose="05040102010807070707" pitchFamily="18" charset="2"/>
+              <a:buNone/>
+              <a:defRPr sz="1400" kern="1200" cap="none">
+                <a:solidFill>
+                  <a:schemeClr val="tx1">
+                    <a:tint val="75000"/>
+                  </a:schemeClr>
+                </a:solidFill>
+                <a:effectLst/>
+                <a:latin typeface="+mn-lt"/>
+                <a:ea typeface="+mn-ea"/>
+                <a:cs typeface="+mn-cs"/>
+              </a:defRPr>
+            </a:lvl9pPr>
+          </a:lstStyle>
+          <a:p>
+            <a:pPr marL="342900" indent="-342900">
+              <a:buBlip>
+                <a:blip r:embed="rId2">
+                  <a:extLst>
+                    <a:ext uri="{96DAC541-7B7A-43D3-8B79-37D633B846F1}">
+                      <asvg:svgBlip xmlns:asvg="http://schemas.microsoft.com/office/drawing/2016/SVG/main" r:embed="rId3"/>
+                    </a:ext>
+                  </a:extLst>
+                </a:blip>
+              </a:buBlip>
+            </a:pPr>
+            <a:r>
+              <a:rPr lang="pl-PL" dirty="0"/>
+              <a:t>..</a:t>
+            </a:r>
+          </a:p>
+        </p:txBody>
+      </p:sp>
+    </p:spTree>
+    <p:extLst>
+      <p:ext uri="{BB962C8B-B14F-4D97-AF65-F5344CB8AC3E}">
+        <p14:creationId xmlns:p14="http://schemas.microsoft.com/office/powerpoint/2010/main" val="848495782"/>
+      </p:ext>
+    </p:extLst>
+  </p:cSld>
+  <p:clrMapOvr>
+    <a:masterClrMapping/>
+  </p:clrMapOvr>
+</p:sld>
+</file>
+
+<file path=ppt/slides/slide7.xml><?xml version="1.0" encoding="utf-8"?>
 <p:sld xmlns:a="http://schemas.openxmlformats.org/drawingml/2006/main" xmlns:r="http://schemas.openxmlformats.org/officeDocument/2006/relationships" xmlns:p="http://schemas.openxmlformats.org/presentationml/2006/main">
   <p:cSld>
     <p:spTree>

--- a/EXTRAS/DEMO.pptx
+++ b/EXTRAS/DEMO.pptx
@@ -309,7 +309,7 @@
           <a:p>
             <a:fld id="{E336C91D-1999-421F-AFA1-A20202843259}" type="datetimeFigureOut">
               <a:rPr lang="en-IE" smtClean="0"/>
-              <a:t>11/04/2019</a:t>
+              <a:t>27/04/2019</a:t>
             </a:fld>
             <a:endParaRPr lang="en-IE"/>
           </a:p>
@@ -745,7 +745,7 @@
           <a:p>
             <a:fld id="{E336C91D-1999-421F-AFA1-A20202843259}" type="datetimeFigureOut">
               <a:rPr lang="en-IE" smtClean="0"/>
-              <a:t>11/04/2019</a:t>
+              <a:t>27/04/2019</a:t>
             </a:fld>
             <a:endParaRPr lang="en-IE"/>
           </a:p>
@@ -995,7 +995,7 @@
           <a:p>
             <a:fld id="{E336C91D-1999-421F-AFA1-A20202843259}" type="datetimeFigureOut">
               <a:rPr lang="en-IE" smtClean="0"/>
-              <a:t>11/04/2019</a:t>
+              <a:t>27/04/2019</a:t>
             </a:fld>
             <a:endParaRPr lang="en-IE"/>
           </a:p>
@@ -1303,7 +1303,7 @@
           <a:p>
             <a:fld id="{E336C91D-1999-421F-AFA1-A20202843259}" type="datetimeFigureOut">
               <a:rPr lang="en-IE" smtClean="0"/>
-              <a:t>11/04/2019</a:t>
+              <a:t>27/04/2019</a:t>
             </a:fld>
             <a:endParaRPr lang="en-IE"/>
           </a:p>
@@ -1621,7 +1621,7 @@
           <a:p>
             <a:fld id="{E336C91D-1999-421F-AFA1-A20202843259}" type="datetimeFigureOut">
               <a:rPr lang="en-IE" smtClean="0"/>
-              <a:t>11/04/2019</a:t>
+              <a:t>27/04/2019</a:t>
             </a:fld>
             <a:endParaRPr lang="en-IE"/>
           </a:p>
@@ -1923,7 +1923,7 @@
           <a:p>
             <a:fld id="{E336C91D-1999-421F-AFA1-A20202843259}" type="datetimeFigureOut">
               <a:rPr lang="en-IE" smtClean="0"/>
-              <a:t>11/04/2019</a:t>
+              <a:t>27/04/2019</a:t>
             </a:fld>
             <a:endParaRPr lang="en-IE"/>
           </a:p>
@@ -2290,7 +2290,7 @@
           <a:p>
             <a:fld id="{E336C91D-1999-421F-AFA1-A20202843259}" type="datetimeFigureOut">
               <a:rPr lang="en-IE" smtClean="0"/>
-              <a:t>11/04/2019</a:t>
+              <a:t>27/04/2019</a:t>
             </a:fld>
             <a:endParaRPr lang="en-IE"/>
           </a:p>
@@ -2464,7 +2464,7 @@
           <a:p>
             <a:fld id="{E336C91D-1999-421F-AFA1-A20202843259}" type="datetimeFigureOut">
               <a:rPr lang="en-IE" smtClean="0"/>
-              <a:t>11/04/2019</a:t>
+              <a:t>27/04/2019</a:t>
             </a:fld>
             <a:endParaRPr lang="en-IE"/>
           </a:p>
@@ -2644,7 +2644,7 @@
           <a:p>
             <a:fld id="{E336C91D-1999-421F-AFA1-A20202843259}" type="datetimeFigureOut">
               <a:rPr lang="en-IE" smtClean="0"/>
-              <a:t>11/04/2019</a:t>
+              <a:t>27/04/2019</a:t>
             </a:fld>
             <a:endParaRPr lang="en-IE"/>
           </a:p>
@@ -2814,7 +2814,7 @@
           <a:p>
             <a:fld id="{E336C91D-1999-421F-AFA1-A20202843259}" type="datetimeFigureOut">
               <a:rPr lang="en-IE" smtClean="0"/>
-              <a:t>11/04/2019</a:t>
+              <a:t>27/04/2019</a:t>
             </a:fld>
             <a:endParaRPr lang="en-IE"/>
           </a:p>
@@ -3064,7 +3064,7 @@
           <a:p>
             <a:fld id="{E336C91D-1999-421F-AFA1-A20202843259}" type="datetimeFigureOut">
               <a:rPr lang="en-IE" smtClean="0"/>
-              <a:t>11/04/2019</a:t>
+              <a:t>27/04/2019</a:t>
             </a:fld>
             <a:endParaRPr lang="en-IE"/>
           </a:p>
@@ -3300,7 +3300,7 @@
           <a:p>
             <a:fld id="{E336C91D-1999-421F-AFA1-A20202843259}" type="datetimeFigureOut">
               <a:rPr lang="en-IE" smtClean="0"/>
-              <a:t>11/04/2019</a:t>
+              <a:t>27/04/2019</a:t>
             </a:fld>
             <a:endParaRPr lang="en-IE"/>
           </a:p>
@@ -3682,7 +3682,7 @@
           <a:p>
             <a:fld id="{E336C91D-1999-421F-AFA1-A20202843259}" type="datetimeFigureOut">
               <a:rPr lang="en-IE" smtClean="0"/>
-              <a:t>11/04/2019</a:t>
+              <a:t>27/04/2019</a:t>
             </a:fld>
             <a:endParaRPr lang="en-IE"/>
           </a:p>
@@ -3800,7 +3800,7 @@
           <a:p>
             <a:fld id="{E336C91D-1999-421F-AFA1-A20202843259}" type="datetimeFigureOut">
               <a:rPr lang="en-IE" smtClean="0"/>
-              <a:t>11/04/2019</a:t>
+              <a:t>27/04/2019</a:t>
             </a:fld>
             <a:endParaRPr lang="en-IE"/>
           </a:p>
@@ -3895,7 +3895,7 @@
           <a:p>
             <a:fld id="{E336C91D-1999-421F-AFA1-A20202843259}" type="datetimeFigureOut">
               <a:rPr lang="en-IE" smtClean="0"/>
-              <a:t>11/04/2019</a:t>
+              <a:t>27/04/2019</a:t>
             </a:fld>
             <a:endParaRPr lang="en-IE"/>
           </a:p>
@@ -4150,7 +4150,7 @@
           <a:p>
             <a:fld id="{E336C91D-1999-421F-AFA1-A20202843259}" type="datetimeFigureOut">
               <a:rPr lang="en-IE" smtClean="0"/>
-              <a:t>11/04/2019</a:t>
+              <a:t>27/04/2019</a:t>
             </a:fld>
             <a:endParaRPr lang="en-IE"/>
           </a:p>
@@ -4433,7 +4433,7 @@
           <a:p>
             <a:fld id="{E336C91D-1999-421F-AFA1-A20202843259}" type="datetimeFigureOut">
               <a:rPr lang="en-IE" smtClean="0"/>
-              <a:t>11/04/2019</a:t>
+              <a:t>27/04/2019</a:t>
             </a:fld>
             <a:endParaRPr lang="en-IE"/>
           </a:p>
@@ -4860,7 +4860,7 @@
           <a:p>
             <a:fld id="{E336C91D-1999-421F-AFA1-A20202843259}" type="datetimeFigureOut">
               <a:rPr lang="en-IE" smtClean="0"/>
-              <a:t>11/04/2019</a:t>
+              <a:t>27/04/2019</a:t>
             </a:fld>
             <a:endParaRPr lang="en-IE"/>
           </a:p>
@@ -8148,6 +8148,36 @@
           </a:p>
         </p:txBody>
       </p:sp>
+      <p:pic>
+        <p:nvPicPr>
+          <p:cNvPr id="2" name="Picture 1">
+            <a:extLst>
+              <a:ext uri="{FF2B5EF4-FFF2-40B4-BE49-F238E27FC236}">
+                <a16:creationId xmlns:a16="http://schemas.microsoft.com/office/drawing/2014/main" id="{42AB90EB-81C2-4B24-8B94-CFB9EE15F92B}"/>
+              </a:ext>
+            </a:extLst>
+          </p:cNvPr>
+          <p:cNvPicPr>
+            <a:picLocks noChangeAspect="1"/>
+          </p:cNvPicPr>
+          <p:nvPr/>
+        </p:nvPicPr>
+        <p:blipFill>
+          <a:blip r:embed="rId4"/>
+          <a:stretch>
+            <a:fillRect/>
+          </a:stretch>
+        </p:blipFill>
+        <p:spPr>
+          <a:xfrm>
+            <a:off x="2505075" y="533400"/>
+            <a:ext cx="7181850" cy="5791200"/>
+          </a:xfrm>
+          <a:prstGeom prst="rect">
+            <a:avLst/>
+          </a:prstGeom>
+        </p:spPr>
+      </p:pic>
     </p:spTree>
     <p:extLst>
       <p:ext uri="{BB962C8B-B14F-4D97-AF65-F5344CB8AC3E}">
